--- a/docs/presentation.pptx
+++ b/docs/presentation.pptx
@@ -5,7 +5,7 @@
     <p:sldMasterId id="2147483660" r:id="rId1"/>
   </p:sldMasterIdLst>
   <p:notesMasterIdLst>
-    <p:notesMasterId r:id="rId31"/>
+    <p:notesMasterId r:id="rId40"/>
   </p:notesMasterIdLst>
   <p:sldIdLst>
     <p:sldId id="256" r:id="rId2"/>
@@ -37,6 +37,15 @@
     <p:sldId id="284" r:id="rId28"/>
     <p:sldId id="285" r:id="rId29"/>
     <p:sldId id="286" r:id="rId30"/>
+    <p:sldId id="287" r:id="rId31"/>
+    <p:sldId id="288" r:id="rId32"/>
+    <p:sldId id="289" r:id="rId33"/>
+    <p:sldId id="290" r:id="rId34"/>
+    <p:sldId id="294" r:id="rId35"/>
+    <p:sldId id="295" r:id="rId36"/>
+    <p:sldId id="291" r:id="rId37"/>
+    <p:sldId id="292" r:id="rId38"/>
+    <p:sldId id="293" r:id="rId39"/>
   </p:sldIdLst>
   <p:sldSz cx="12192000" cy="6858000"/>
   <p:notesSz cx="6858000" cy="9144000"/>
@@ -225,7 +234,7 @@
           <a:p>
             <a:fld id="{0D510E33-FA96-4801-A78E-0DF705CF2FA6}" type="datetimeFigureOut">
               <a:rPr lang="ru-RU" smtClean="0"/>
-              <a:t>26.12.2022</a:t>
+              <a:t>09.01.2023</a:t>
             </a:fld>
             <a:endParaRPr lang="ru-RU"/>
           </a:p>
@@ -623,7 +632,7 @@
           <a:p>
             <a:fld id="{08722DAB-1085-427C-9B74-2816B5DC5517}" type="datetime1">
               <a:rPr lang="ru-RU" smtClean="0"/>
-              <a:t>26.12.2022</a:t>
+              <a:t>09.01.2023</a:t>
             </a:fld>
             <a:endParaRPr lang="ru-RU"/>
           </a:p>
@@ -796,7 +805,7 @@
           <a:p>
             <a:fld id="{5202DE51-A611-40AA-BA55-723D9B381CFC}" type="datetime1">
               <a:rPr lang="ru-RU" smtClean="0"/>
-              <a:t>26.12.2022</a:t>
+              <a:t>09.01.2023</a:t>
             </a:fld>
             <a:endParaRPr lang="ru-RU"/>
           </a:p>
@@ -979,7 +988,7 @@
           <a:p>
             <a:fld id="{D757E190-4F5B-4E13-85AF-949E2A55A141}" type="datetime1">
               <a:rPr lang="ru-RU" smtClean="0"/>
-              <a:t>26.12.2022</a:t>
+              <a:t>09.01.2023</a:t>
             </a:fld>
             <a:endParaRPr lang="ru-RU"/>
           </a:p>
@@ -1152,7 +1161,7 @@
           <a:p>
             <a:fld id="{819F9415-323C-45DC-855D-3E6D6A8D07B8}" type="datetime1">
               <a:rPr lang="ru-RU" smtClean="0"/>
-              <a:t>26.12.2022</a:t>
+              <a:t>09.01.2023</a:t>
             </a:fld>
             <a:endParaRPr lang="ru-RU"/>
           </a:p>
@@ -1401,7 +1410,7 @@
           <a:p>
             <a:fld id="{55D43131-25D2-4E8E-BA64-773E247E3AA2}" type="datetime1">
               <a:rPr lang="ru-RU" smtClean="0"/>
-              <a:t>26.12.2022</a:t>
+              <a:t>09.01.2023</a:t>
             </a:fld>
             <a:endParaRPr lang="ru-RU"/>
           </a:p>
@@ -1636,7 +1645,7 @@
           <a:p>
             <a:fld id="{D6BC45E9-F44F-4D6A-96B7-1F75FACE01DE}" type="datetime1">
               <a:rPr lang="ru-RU" smtClean="0"/>
-              <a:t>26.12.2022</a:t>
+              <a:t>09.01.2023</a:t>
             </a:fld>
             <a:endParaRPr lang="ru-RU"/>
           </a:p>
@@ -2006,7 +2015,7 @@
           <a:p>
             <a:fld id="{C53FC963-E45E-4A19-96B8-F84521F3647B}" type="datetime1">
               <a:rPr lang="ru-RU" smtClean="0"/>
-              <a:t>26.12.2022</a:t>
+              <a:t>09.01.2023</a:t>
             </a:fld>
             <a:endParaRPr lang="ru-RU"/>
           </a:p>
@@ -2127,7 +2136,7 @@
           <a:p>
             <a:fld id="{08F9B9CE-7820-4575-A802-B90852D1714C}" type="datetime1">
               <a:rPr lang="ru-RU" smtClean="0"/>
-              <a:t>26.12.2022</a:t>
+              <a:t>09.01.2023</a:t>
             </a:fld>
             <a:endParaRPr lang="ru-RU"/>
           </a:p>
@@ -2225,7 +2234,7 @@
           <a:p>
             <a:fld id="{9E7BFBA5-C9CD-40F1-BEA3-22C5EE87118A}" type="datetime1">
               <a:rPr lang="ru-RU" smtClean="0"/>
-              <a:t>26.12.2022</a:t>
+              <a:t>09.01.2023</a:t>
             </a:fld>
             <a:endParaRPr lang="ru-RU"/>
           </a:p>
@@ -2505,7 +2514,7 @@
           <a:p>
             <a:fld id="{F74A0FC0-5B02-433D-891E-C913C95F0EC2}" type="datetime1">
               <a:rPr lang="ru-RU" smtClean="0"/>
-              <a:t>26.12.2022</a:t>
+              <a:t>09.01.2023</a:t>
             </a:fld>
             <a:endParaRPr lang="ru-RU"/>
           </a:p>
@@ -2765,7 +2774,7 @@
           <a:p>
             <a:fld id="{2C9FC48F-6FE9-47DA-BD57-C2158B99C730}" type="datetime1">
               <a:rPr lang="ru-RU" smtClean="0"/>
-              <a:t>26.12.2022</a:t>
+              <a:t>09.01.2023</a:t>
             </a:fld>
             <a:endParaRPr lang="ru-RU"/>
           </a:p>
@@ -2981,7 +2990,7 @@
           <a:p>
             <a:fld id="{C260CA6D-4AA9-4F69-B218-BD0D39972E34}" type="datetime1">
               <a:rPr lang="ru-RU" smtClean="0"/>
-              <a:t>26.12.2022</a:t>
+              <a:t>09.01.2023</a:t>
             </a:fld>
             <a:endParaRPr lang="ru-RU"/>
           </a:p>
@@ -3510,7 +3519,7 @@
           <a:p>
             <a:fld id="{B1F877CA-47D1-4D4E-B147-3E6A25573C33}" type="datetime1">
               <a:rPr lang="ru-RU" sz="2400" smtClean="0"/>
-              <a:t>26.12.2022</a:t>
+              <a:t>09.01.2023</a:t>
             </a:fld>
             <a:endParaRPr lang="ru-RU" dirty="0"/>
           </a:p>
@@ -3579,8 +3588,8 @@
           <a:chExt cx="0" cy="0"/>
         </a:xfrm>
       </p:grpSpPr>
-      <mc:AlternateContent xmlns:mc="http://schemas.openxmlformats.org/markup-compatibility/2006">
-        <mc:Choice xmlns:a14="http://schemas.microsoft.com/office/drawing/2010/main" Requires="a14">
+      <mc:AlternateContent xmlns:mc="http://schemas.openxmlformats.org/markup-compatibility/2006" xmlns:a14="http://schemas.microsoft.com/office/drawing/2010/main">
+        <mc:Choice Requires="a14">
           <p:sp>
             <p:nvSpPr>
               <p:cNvPr id="2" name="Заголовок 1">
@@ -3639,7 +3648,7 @@
             </p:txBody>
           </p:sp>
         </mc:Choice>
-        <mc:Fallback>
+        <mc:Fallback xmlns="">
           <p:sp>
             <p:nvSpPr>
               <p:cNvPr id="2" name="Заголовок 1">
@@ -3679,8 +3688,8 @@
           </p:sp>
         </mc:Fallback>
       </mc:AlternateContent>
-      <mc:AlternateContent xmlns:mc="http://schemas.openxmlformats.org/markup-compatibility/2006">
-        <mc:Choice xmlns:a14="http://schemas.microsoft.com/office/drawing/2010/main" Requires="a14">
+      <mc:AlternateContent xmlns:mc="http://schemas.openxmlformats.org/markup-compatibility/2006" xmlns:a14="http://schemas.microsoft.com/office/drawing/2010/main">
+        <mc:Choice Requires="a14">
           <p:sp>
             <p:nvSpPr>
               <p:cNvPr id="3" name="Объект 2">
@@ -3924,7 +3933,7 @@
             </p:txBody>
           </p:sp>
         </mc:Choice>
-        <mc:Fallback>
+        <mc:Fallback xmlns="">
           <p:sp>
             <p:nvSpPr>
               <p:cNvPr id="3" name="Объект 2">
@@ -3991,7 +4000,7 @@
           <a:p>
             <a:fld id="{819F9415-323C-45DC-855D-3E6D6A8D07B8}" type="datetime1">
               <a:rPr lang="ru-RU" smtClean="0"/>
-              <a:t>27.12.2022</a:t>
+              <a:t>09.01.2023</a:t>
             </a:fld>
             <a:endParaRPr lang="ru-RU"/>
           </a:p>
@@ -4084,8 +4093,8 @@
           <a:chExt cx="0" cy="0"/>
         </a:xfrm>
       </p:grpSpPr>
-      <mc:AlternateContent xmlns:mc="http://schemas.openxmlformats.org/markup-compatibility/2006">
-        <mc:Choice xmlns:a14="http://schemas.microsoft.com/office/drawing/2010/main" Requires="a14">
+      <mc:AlternateContent xmlns:mc="http://schemas.openxmlformats.org/markup-compatibility/2006" xmlns:a14="http://schemas.microsoft.com/office/drawing/2010/main">
+        <mc:Choice Requires="a14">
           <p:sp>
             <p:nvSpPr>
               <p:cNvPr id="2" name="Заголовок 1">
@@ -4144,7 +4153,7 @@
             </p:txBody>
           </p:sp>
         </mc:Choice>
-        <mc:Fallback>
+        <mc:Fallback xmlns="">
           <p:sp>
             <p:nvSpPr>
               <p:cNvPr id="2" name="Заголовок 1">
@@ -4207,7 +4216,7 @@
           <a:p>
             <a:fld id="{819F9415-323C-45DC-855D-3E6D6A8D07B8}" type="datetime1">
               <a:rPr lang="ru-RU" smtClean="0"/>
-              <a:t>27.12.2022</a:t>
+              <a:t>09.01.2023</a:t>
             </a:fld>
             <a:endParaRPr lang="ru-RU"/>
           </a:p>
@@ -4332,7 +4341,7 @@
         <p:spPr>
           <a:xfrm>
             <a:off x="7815362" y="3661858"/>
-            <a:ext cx="3977103" cy="369332"/>
+            <a:ext cx="3977103" cy="646331"/>
           </a:xfrm>
           <a:prstGeom prst="rect">
             <a:avLst/>
@@ -4347,15 +4356,15 @@
           <a:p>
             <a:pPr algn="ctr"/>
             <a:r>
-              <a:rPr lang="ru-RU" dirty="0" err="1"/>
-              <a:t>Ри</a:t>
-            </a:r>
-            <a:r>
-              <a:rPr lang="en-US" dirty="0"/>
+              <a:rPr lang="ru-RU" i="1" dirty="0" err="1"/>
+              <a:t>ри</a:t>
+            </a:r>
+            <a:r>
+              <a:rPr lang="en-US" i="1" dirty="0"/>
               <a:t>c.</a:t>
             </a:r>
             <a:r>
-              <a:rPr lang="ru-RU" dirty="0"/>
+              <a:rPr lang="ru-RU" i="1" dirty="0"/>
               <a:t> Попытка найти узел с ключом 80.</a:t>
             </a:r>
           </a:p>
@@ -4391,8 +4400,8 @@
           <a:chExt cx="0" cy="0"/>
         </a:xfrm>
       </p:grpSpPr>
-      <mc:AlternateContent xmlns:mc="http://schemas.openxmlformats.org/markup-compatibility/2006">
-        <mc:Choice xmlns:a14="http://schemas.microsoft.com/office/drawing/2010/main" Requires="a14">
+      <mc:AlternateContent xmlns:mc="http://schemas.openxmlformats.org/markup-compatibility/2006" xmlns:a14="http://schemas.microsoft.com/office/drawing/2010/main">
+        <mc:Choice Requires="a14">
           <p:sp>
             <p:nvSpPr>
               <p:cNvPr id="2" name="Заголовок 1">
@@ -4451,7 +4460,7 @@
             </p:txBody>
           </p:sp>
         </mc:Choice>
-        <mc:Fallback>
+        <mc:Fallback xmlns="">
           <p:sp>
             <p:nvSpPr>
               <p:cNvPr id="2" name="Заголовок 1">
@@ -4491,8 +4500,8 @@
           </p:sp>
         </mc:Fallback>
       </mc:AlternateContent>
-      <mc:AlternateContent xmlns:mc="http://schemas.openxmlformats.org/markup-compatibility/2006">
-        <mc:Choice xmlns:a14="http://schemas.microsoft.com/office/drawing/2010/main" Requires="a14">
+      <mc:AlternateContent xmlns:mc="http://schemas.openxmlformats.org/markup-compatibility/2006" xmlns:a14="http://schemas.microsoft.com/office/drawing/2010/main">
+        <mc:Choice Requires="a14">
           <p:sp>
             <p:nvSpPr>
               <p:cNvPr id="3" name="Объект 2">
@@ -4732,7 +4741,7 @@
             </p:txBody>
           </p:sp>
         </mc:Choice>
-        <mc:Fallback>
+        <mc:Fallback xmlns="">
           <p:sp>
             <p:nvSpPr>
               <p:cNvPr id="3" name="Объект 2">
@@ -4799,7 +4808,7 @@
           <a:p>
             <a:fld id="{819F9415-323C-45DC-855D-3E6D6A8D07B8}" type="datetime1">
               <a:rPr lang="ru-RU" smtClean="0"/>
-              <a:t>27.12.2022</a:t>
+              <a:t>09.01.2023</a:t>
             </a:fld>
             <a:endParaRPr lang="ru-RU"/>
           </a:p>
@@ -4892,8 +4901,8 @@
           <a:chExt cx="0" cy="0"/>
         </a:xfrm>
       </p:grpSpPr>
-      <mc:AlternateContent xmlns:mc="http://schemas.openxmlformats.org/markup-compatibility/2006">
-        <mc:Choice xmlns:a14="http://schemas.microsoft.com/office/drawing/2010/main" Requires="a14">
+      <mc:AlternateContent xmlns:mc="http://schemas.openxmlformats.org/markup-compatibility/2006" xmlns:a14="http://schemas.microsoft.com/office/drawing/2010/main">
+        <mc:Choice Requires="a14">
           <p:sp>
             <p:nvSpPr>
               <p:cNvPr id="2" name="Заголовок 1">
@@ -5006,7 +5015,7 @@
             </p:txBody>
           </p:sp>
         </mc:Choice>
-        <mc:Fallback>
+        <mc:Fallback xmlns="">
           <p:sp>
             <p:nvSpPr>
               <p:cNvPr id="2" name="Заголовок 1">
@@ -5046,8 +5055,8 @@
           </p:sp>
         </mc:Fallback>
       </mc:AlternateContent>
-      <mc:AlternateContent xmlns:mc="http://schemas.openxmlformats.org/markup-compatibility/2006">
-        <mc:Choice xmlns:a14="http://schemas.microsoft.com/office/drawing/2010/main" Requires="a14">
+      <mc:AlternateContent xmlns:mc="http://schemas.openxmlformats.org/markup-compatibility/2006" xmlns:a14="http://schemas.microsoft.com/office/drawing/2010/main">
+        <mc:Choice Requires="a14">
           <p:sp>
             <p:nvSpPr>
               <p:cNvPr id="3" name="Объект 2">
@@ -5257,7 +5266,7 @@
             </p:txBody>
           </p:sp>
         </mc:Choice>
-        <mc:Fallback>
+        <mc:Fallback xmlns="">
           <p:sp>
             <p:nvSpPr>
               <p:cNvPr id="3" name="Объект 2">
@@ -5324,7 +5333,7 @@
           <a:p>
             <a:fld id="{819F9415-323C-45DC-855D-3E6D6A8D07B8}" type="datetime1">
               <a:rPr lang="ru-RU" smtClean="0"/>
-              <a:t>27.12.2022</a:t>
+              <a:t>09.01.2023</a:t>
             </a:fld>
             <a:endParaRPr lang="ru-RU"/>
           </a:p>
@@ -5417,8 +5426,8 @@
           <a:chExt cx="0" cy="0"/>
         </a:xfrm>
       </p:grpSpPr>
-      <mc:AlternateContent xmlns:mc="http://schemas.openxmlformats.org/markup-compatibility/2006">
-        <mc:Choice xmlns:a14="http://schemas.microsoft.com/office/drawing/2010/main" Requires="a14">
+      <mc:AlternateContent xmlns:mc="http://schemas.openxmlformats.org/markup-compatibility/2006" xmlns:a14="http://schemas.microsoft.com/office/drawing/2010/main">
+        <mc:Choice Requires="a14">
           <p:sp>
             <p:nvSpPr>
               <p:cNvPr id="2" name="Заголовок 1">
@@ -5477,7 +5486,7 @@
             </p:txBody>
           </p:sp>
         </mc:Choice>
-        <mc:Fallback>
+        <mc:Fallback xmlns="">
           <p:sp>
             <p:nvSpPr>
               <p:cNvPr id="2" name="Заголовок 1">
@@ -5517,8 +5526,8 @@
           </p:sp>
         </mc:Fallback>
       </mc:AlternateContent>
-      <mc:AlternateContent xmlns:mc="http://schemas.openxmlformats.org/markup-compatibility/2006">
-        <mc:Choice xmlns:a14="http://schemas.microsoft.com/office/drawing/2010/main" Requires="a14">
+      <mc:AlternateContent xmlns:mc="http://schemas.openxmlformats.org/markup-compatibility/2006" xmlns:a14="http://schemas.microsoft.com/office/drawing/2010/main">
+        <mc:Choice Requires="a14">
           <p:sp>
             <p:nvSpPr>
               <p:cNvPr id="3" name="Объект 2">
@@ -5912,7 +5921,7 @@
             </p:txBody>
           </p:sp>
         </mc:Choice>
-        <mc:Fallback>
+        <mc:Fallback xmlns="">
           <p:sp>
             <p:nvSpPr>
               <p:cNvPr id="3" name="Объект 2">
@@ -5979,7 +5988,7 @@
           <a:p>
             <a:fld id="{819F9415-323C-45DC-855D-3E6D6A8D07B8}" type="datetime1">
               <a:rPr lang="ru-RU" smtClean="0"/>
-              <a:t>27.12.2022</a:t>
+              <a:t>09.01.2023</a:t>
             </a:fld>
             <a:endParaRPr lang="ru-RU"/>
           </a:p>
@@ -6072,8 +6081,8 @@
           <a:chExt cx="0" cy="0"/>
         </a:xfrm>
       </p:grpSpPr>
-      <mc:AlternateContent xmlns:mc="http://schemas.openxmlformats.org/markup-compatibility/2006">
-        <mc:Choice xmlns:a14="http://schemas.microsoft.com/office/drawing/2010/main" Requires="a14">
+      <mc:AlternateContent xmlns:mc="http://schemas.openxmlformats.org/markup-compatibility/2006" xmlns:a14="http://schemas.microsoft.com/office/drawing/2010/main">
+        <mc:Choice Requires="a14">
           <p:sp>
             <p:nvSpPr>
               <p:cNvPr id="2" name="Заголовок 1">
@@ -6168,7 +6177,7 @@
             </p:txBody>
           </p:sp>
         </mc:Choice>
-        <mc:Fallback>
+        <mc:Fallback xmlns="">
           <p:sp>
             <p:nvSpPr>
               <p:cNvPr id="2" name="Заголовок 1">
@@ -6231,7 +6240,7 @@
           <a:p>
             <a:fld id="{819F9415-323C-45DC-855D-3E6D6A8D07B8}" type="datetime1">
               <a:rPr lang="ru-RU" smtClean="0"/>
-              <a:t>27.12.2022</a:t>
+              <a:t>09.01.2023</a:t>
             </a:fld>
             <a:endParaRPr lang="ru-RU"/>
           </a:p>
@@ -6373,8 +6382,8 @@
           <a:p>
             <a:pPr algn="ctr"/>
             <a:r>
-              <a:rPr lang="ru-RU" dirty="0"/>
-              <a:t>Рис. Реализации вставки и удаления. За вставкой ключа 80 последовало удаление узла с ключом 30.</a:t>
+              <a:rPr lang="ru-RU" i="1" dirty="0"/>
+              <a:t>Рис. Реализации вставки и удаления. За вставкой ключа 80 последовало удаление узла с ключом 30</a:t>
             </a:r>
           </a:p>
         </p:txBody>
@@ -6515,7 +6524,7 @@
           <a:p>
             <a:fld id="{819F9415-323C-45DC-855D-3E6D6A8D07B8}" type="datetime1">
               <a:rPr lang="ru-RU" smtClean="0"/>
-              <a:t>27.12.2022</a:t>
+              <a:t>09.01.2023</a:t>
             </a:fld>
             <a:endParaRPr lang="ru-RU"/>
           </a:p>
@@ -6701,7 +6710,7 @@
           <a:p>
             <a:fld id="{819F9415-323C-45DC-855D-3E6D6A8D07B8}" type="datetime1">
               <a:rPr lang="ru-RU" smtClean="0"/>
-              <a:t>27.12.2022</a:t>
+              <a:t>09.01.2023</a:t>
             </a:fld>
             <a:endParaRPr lang="ru-RU"/>
           </a:p>
@@ -6822,8 +6831,8 @@
           </a:p>
         </p:txBody>
       </p:sp>
-      <mc:AlternateContent xmlns:mc="http://schemas.openxmlformats.org/markup-compatibility/2006">
-        <mc:Choice xmlns:a14="http://schemas.microsoft.com/office/drawing/2010/main" Requires="a14">
+      <mc:AlternateContent xmlns:mc="http://schemas.openxmlformats.org/markup-compatibility/2006" xmlns:a14="http://schemas.microsoft.com/office/drawing/2010/main">
+        <mc:Choice Requires="a14">
           <p:sp>
             <p:nvSpPr>
               <p:cNvPr id="3" name="Объект 2">
@@ -6924,7 +6933,7 @@
             </p:txBody>
           </p:sp>
         </mc:Choice>
-        <mc:Fallback>
+        <mc:Fallback xmlns="">
           <p:sp>
             <p:nvSpPr>
               <p:cNvPr id="3" name="Объект 2">
@@ -6991,7 +7000,7 @@
           <a:p>
             <a:fld id="{819F9415-323C-45DC-855D-3E6D6A8D07B8}" type="datetime1">
               <a:rPr lang="ru-RU" smtClean="0"/>
-              <a:t>27.12.2022</a:t>
+              <a:t>09.01.2023</a:t>
             </a:fld>
             <a:endParaRPr lang="ru-RU"/>
           </a:p>
@@ -7084,8 +7093,8 @@
           <a:chExt cx="0" cy="0"/>
         </a:xfrm>
       </p:grpSpPr>
-      <mc:AlternateContent xmlns:mc="http://schemas.openxmlformats.org/markup-compatibility/2006">
-        <mc:Choice xmlns:a14="http://schemas.microsoft.com/office/drawing/2010/main" Requires="a14">
+      <mc:AlternateContent xmlns:mc="http://schemas.openxmlformats.org/markup-compatibility/2006" xmlns:a14="http://schemas.microsoft.com/office/drawing/2010/main">
+        <mc:Choice Requires="a14">
           <p:sp>
             <p:nvSpPr>
               <p:cNvPr id="2" name="Заголовок 1">
@@ -7157,7 +7166,7 @@
             </p:txBody>
           </p:sp>
         </mc:Choice>
-        <mc:Fallback>
+        <mc:Fallback xmlns="">
           <p:sp>
             <p:nvSpPr>
               <p:cNvPr id="2" name="Заголовок 1">
@@ -7197,8 +7206,8 @@
           </p:sp>
         </mc:Fallback>
       </mc:AlternateContent>
-      <mc:AlternateContent xmlns:mc="http://schemas.openxmlformats.org/markup-compatibility/2006">
-        <mc:Choice xmlns:a14="http://schemas.microsoft.com/office/drawing/2010/main" Requires="a14">
+      <mc:AlternateContent xmlns:mc="http://schemas.openxmlformats.org/markup-compatibility/2006" xmlns:a14="http://schemas.microsoft.com/office/drawing/2010/main">
+        <mc:Choice Requires="a14">
           <p:sp>
             <p:nvSpPr>
               <p:cNvPr id="3" name="Объект 2">
@@ -7307,7 +7316,7 @@
             </p:txBody>
           </p:sp>
         </mc:Choice>
-        <mc:Fallback>
+        <mc:Fallback xmlns="">
           <p:sp>
             <p:nvSpPr>
               <p:cNvPr id="3" name="Объект 2">
@@ -7374,7 +7383,7 @@
           <a:p>
             <a:fld id="{819F9415-323C-45DC-855D-3E6D6A8D07B8}" type="datetime1">
               <a:rPr lang="ru-RU" smtClean="0"/>
-              <a:t>27.12.2022</a:t>
+              <a:t>09.01.2023</a:t>
             </a:fld>
             <a:endParaRPr lang="ru-RU"/>
           </a:p>
@@ -7514,8 +7523,8 @@
           <a:chExt cx="0" cy="0"/>
         </a:xfrm>
       </p:grpSpPr>
-      <mc:AlternateContent xmlns:mc="http://schemas.openxmlformats.org/markup-compatibility/2006">
-        <mc:Choice xmlns:a14="http://schemas.microsoft.com/office/drawing/2010/main" Requires="a14">
+      <mc:AlternateContent xmlns:mc="http://schemas.openxmlformats.org/markup-compatibility/2006" xmlns:a14="http://schemas.microsoft.com/office/drawing/2010/main">
+        <mc:Choice Requires="a14">
           <p:sp>
             <p:nvSpPr>
               <p:cNvPr id="2" name="Заголовок 1">
@@ -7563,7 +7572,7 @@
             </p:txBody>
           </p:sp>
         </mc:Choice>
-        <mc:Fallback>
+        <mc:Fallback xmlns="">
           <p:sp>
             <p:nvSpPr>
               <p:cNvPr id="2" name="Заголовок 1">
@@ -7680,7 +7689,7 @@
           <a:p>
             <a:fld id="{819F9415-323C-45DC-855D-3E6D6A8D07B8}" type="datetime1">
               <a:rPr lang="ru-RU" smtClean="0"/>
-              <a:t>27.12.2022</a:t>
+              <a:t>09.01.2023</a:t>
             </a:fld>
             <a:endParaRPr lang="ru-RU"/>
           </a:p>
@@ -7773,8 +7782,8 @@
           <a:chExt cx="0" cy="0"/>
         </a:xfrm>
       </p:grpSpPr>
-      <mc:AlternateContent xmlns:mc="http://schemas.openxmlformats.org/markup-compatibility/2006">
-        <mc:Choice xmlns:a14="http://schemas.microsoft.com/office/drawing/2010/main" Requires="a14">
+      <mc:AlternateContent xmlns:mc="http://schemas.openxmlformats.org/markup-compatibility/2006" xmlns:a14="http://schemas.microsoft.com/office/drawing/2010/main">
+        <mc:Choice Requires="a14">
           <p:sp>
             <p:nvSpPr>
               <p:cNvPr id="2" name="Заголовок 1">
@@ -7846,7 +7855,7 @@
             </p:txBody>
           </p:sp>
         </mc:Choice>
-        <mc:Fallback>
+        <mc:Fallback xmlns="">
           <p:sp>
             <p:nvSpPr>
               <p:cNvPr id="2" name="Заголовок 1">
@@ -7886,8 +7895,8 @@
           </p:sp>
         </mc:Fallback>
       </mc:AlternateContent>
-      <mc:AlternateContent xmlns:mc="http://schemas.openxmlformats.org/markup-compatibility/2006">
-        <mc:Choice xmlns:a14="http://schemas.microsoft.com/office/drawing/2010/main" Requires="a14">
+      <mc:AlternateContent xmlns:mc="http://schemas.openxmlformats.org/markup-compatibility/2006" xmlns:a14="http://schemas.microsoft.com/office/drawing/2010/main">
+        <mc:Choice Requires="a14">
           <p:sp>
             <p:nvSpPr>
               <p:cNvPr id="3" name="Объект 2">
@@ -8016,7 +8025,7 @@
             </p:txBody>
           </p:sp>
         </mc:Choice>
-        <mc:Fallback>
+        <mc:Fallback xmlns="">
           <p:sp>
             <p:nvSpPr>
               <p:cNvPr id="3" name="Объект 2">
@@ -8083,7 +8092,7 @@
           <a:p>
             <a:fld id="{819F9415-323C-45DC-855D-3E6D6A8D07B8}" type="datetime1">
               <a:rPr lang="ru-RU" smtClean="0"/>
-              <a:t>27.12.2022</a:t>
+              <a:t>09.01.2023</a:t>
             </a:fld>
             <a:endParaRPr lang="ru-RU"/>
           </a:p>
@@ -8223,8 +8232,8 @@
           <a:chExt cx="0" cy="0"/>
         </a:xfrm>
       </p:grpSpPr>
-      <mc:AlternateContent xmlns:mc="http://schemas.openxmlformats.org/markup-compatibility/2006">
-        <mc:Choice xmlns:a14="http://schemas.microsoft.com/office/drawing/2010/main" Requires="a14">
+      <mc:AlternateContent xmlns:mc="http://schemas.openxmlformats.org/markup-compatibility/2006" xmlns:a14="http://schemas.microsoft.com/office/drawing/2010/main">
+        <mc:Choice Requires="a14">
           <p:sp>
             <p:nvSpPr>
               <p:cNvPr id="2" name="Заголовок 1">
@@ -8283,7 +8292,7 @@
             </p:txBody>
           </p:sp>
         </mc:Choice>
-        <mc:Fallback>
+        <mc:Fallback xmlns="">
           <p:sp>
             <p:nvSpPr>
               <p:cNvPr id="2" name="Заголовок 1">
@@ -8323,8 +8332,8 @@
           </p:sp>
         </mc:Fallback>
       </mc:AlternateContent>
-      <mc:AlternateContent xmlns:mc="http://schemas.openxmlformats.org/markup-compatibility/2006">
-        <mc:Choice xmlns:a14="http://schemas.microsoft.com/office/drawing/2010/main" Requires="a14">
+      <mc:AlternateContent xmlns:mc="http://schemas.openxmlformats.org/markup-compatibility/2006" xmlns:a14="http://schemas.microsoft.com/office/drawing/2010/main">
+        <mc:Choice Requires="a14">
           <p:sp>
             <p:nvSpPr>
               <p:cNvPr id="3" name="Объект 2">
@@ -8484,7 +8493,7 @@
             </p:txBody>
           </p:sp>
         </mc:Choice>
-        <mc:Fallback>
+        <mc:Fallback xmlns="">
           <p:sp>
             <p:nvSpPr>
               <p:cNvPr id="3" name="Объект 2">
@@ -8551,7 +8560,7 @@
           <a:p>
             <a:fld id="{819F9415-323C-45DC-855D-3E6D6A8D07B8}" type="datetime1">
               <a:rPr lang="ru-RU" smtClean="0"/>
-              <a:t>27.12.2022</a:t>
+              <a:t>09.01.2023</a:t>
             </a:fld>
             <a:endParaRPr lang="ru-RU"/>
           </a:p>
@@ -8644,8 +8653,8 @@
           <a:chExt cx="0" cy="0"/>
         </a:xfrm>
       </p:grpSpPr>
-      <mc:AlternateContent xmlns:mc="http://schemas.openxmlformats.org/markup-compatibility/2006">
-        <mc:Choice xmlns:a14="http://schemas.microsoft.com/office/drawing/2010/main" Requires="a14">
+      <mc:AlternateContent xmlns:mc="http://schemas.openxmlformats.org/markup-compatibility/2006" xmlns:a14="http://schemas.microsoft.com/office/drawing/2010/main">
+        <mc:Choice Requires="a14">
           <p:sp>
             <p:nvSpPr>
               <p:cNvPr id="2" name="Заголовок 1">
@@ -8704,7 +8713,7 @@
             </p:txBody>
           </p:sp>
         </mc:Choice>
-        <mc:Fallback>
+        <mc:Fallback xmlns="">
           <p:sp>
             <p:nvSpPr>
               <p:cNvPr id="2" name="Заголовок 1">
@@ -8744,8 +8753,8 @@
           </p:sp>
         </mc:Fallback>
       </mc:AlternateContent>
-      <mc:AlternateContent xmlns:mc="http://schemas.openxmlformats.org/markup-compatibility/2006">
-        <mc:Choice xmlns:a14="http://schemas.microsoft.com/office/drawing/2010/main" Requires="a14">
+      <mc:AlternateContent xmlns:mc="http://schemas.openxmlformats.org/markup-compatibility/2006" xmlns:a14="http://schemas.microsoft.com/office/drawing/2010/main">
+        <mc:Choice Requires="a14">
           <p:sp>
             <p:nvSpPr>
               <p:cNvPr id="3" name="Объект 2">
@@ -8989,7 +8998,7 @@
             </p:txBody>
           </p:sp>
         </mc:Choice>
-        <mc:Fallback>
+        <mc:Fallback xmlns="">
           <p:sp>
             <p:nvSpPr>
               <p:cNvPr id="3" name="Объект 2">
@@ -9056,7 +9065,7 @@
           <a:p>
             <a:fld id="{819F9415-323C-45DC-855D-3E6D6A8D07B8}" type="datetime1">
               <a:rPr lang="ru-RU" smtClean="0"/>
-              <a:t>27.12.2022</a:t>
+              <a:t>09.01.2023</a:t>
             </a:fld>
             <a:endParaRPr lang="ru-RU"/>
           </a:p>
@@ -9149,8 +9158,8 @@
           <a:chExt cx="0" cy="0"/>
         </a:xfrm>
       </p:grpSpPr>
-      <mc:AlternateContent xmlns:mc="http://schemas.openxmlformats.org/markup-compatibility/2006">
-        <mc:Choice xmlns:a14="http://schemas.microsoft.com/office/drawing/2010/main" Requires="a14">
+      <mc:AlternateContent xmlns:mc="http://schemas.openxmlformats.org/markup-compatibility/2006" xmlns:a14="http://schemas.microsoft.com/office/drawing/2010/main">
+        <mc:Choice Requires="a14">
           <p:sp>
             <p:nvSpPr>
               <p:cNvPr id="2" name="Заголовок 1">
@@ -9209,7 +9218,7 @@
             </p:txBody>
           </p:sp>
         </mc:Choice>
-        <mc:Fallback>
+        <mc:Fallback xmlns="">
           <p:sp>
             <p:nvSpPr>
               <p:cNvPr id="2" name="Заголовок 1">
@@ -9272,7 +9281,7 @@
           <a:p>
             <a:fld id="{819F9415-323C-45DC-855D-3E6D6A8D07B8}" type="datetime1">
               <a:rPr lang="ru-RU" smtClean="0"/>
-              <a:t>27.12.2022</a:t>
+              <a:t>09.01.2023</a:t>
             </a:fld>
             <a:endParaRPr lang="ru-RU"/>
           </a:p>
@@ -9410,8 +9419,8 @@
           <a:chExt cx="0" cy="0"/>
         </a:xfrm>
       </p:grpSpPr>
-      <mc:AlternateContent xmlns:mc="http://schemas.openxmlformats.org/markup-compatibility/2006">
-        <mc:Choice xmlns:a14="http://schemas.microsoft.com/office/drawing/2010/main" Requires="a14">
+      <mc:AlternateContent xmlns:mc="http://schemas.openxmlformats.org/markup-compatibility/2006" xmlns:a14="http://schemas.microsoft.com/office/drawing/2010/main">
+        <mc:Choice Requires="a14">
           <p:sp>
             <p:nvSpPr>
               <p:cNvPr id="2" name="Заголовок 1">
@@ -9470,7 +9479,7 @@
             </p:txBody>
           </p:sp>
         </mc:Choice>
-        <mc:Fallback>
+        <mc:Fallback xmlns="">
           <p:sp>
             <p:nvSpPr>
               <p:cNvPr id="2" name="Заголовок 1">
@@ -9533,7 +9542,7 @@
           <a:p>
             <a:fld id="{819F9415-323C-45DC-855D-3E6D6A8D07B8}" type="datetime1">
               <a:rPr lang="ru-RU" smtClean="0"/>
-              <a:t>27.12.2022</a:t>
+              <a:t>09.01.2023</a:t>
             </a:fld>
             <a:endParaRPr lang="ru-RU"/>
           </a:p>
@@ -9671,8 +9680,8 @@
           <a:chExt cx="0" cy="0"/>
         </a:xfrm>
       </p:grpSpPr>
-      <mc:AlternateContent xmlns:mc="http://schemas.openxmlformats.org/markup-compatibility/2006">
-        <mc:Choice xmlns:a14="http://schemas.microsoft.com/office/drawing/2010/main" Requires="a14">
+      <mc:AlternateContent xmlns:mc="http://schemas.openxmlformats.org/markup-compatibility/2006" xmlns:a14="http://schemas.microsoft.com/office/drawing/2010/main">
+        <mc:Choice Requires="a14">
           <p:sp>
             <p:nvSpPr>
               <p:cNvPr id="2" name="Заголовок 1">
@@ -9731,7 +9740,7 @@
             </p:txBody>
           </p:sp>
         </mc:Choice>
-        <mc:Fallback>
+        <mc:Fallback xmlns="">
           <p:sp>
             <p:nvSpPr>
               <p:cNvPr id="2" name="Заголовок 1">
@@ -9794,7 +9803,7 @@
           <a:p>
             <a:fld id="{819F9415-323C-45DC-855D-3E6D6A8D07B8}" type="datetime1">
               <a:rPr lang="ru-RU" smtClean="0"/>
-              <a:t>27.12.2022</a:t>
+              <a:t>09.01.2023</a:t>
             </a:fld>
             <a:endParaRPr lang="ru-RU"/>
           </a:p>
@@ -9932,8 +9941,8 @@
           <a:chExt cx="0" cy="0"/>
         </a:xfrm>
       </p:grpSpPr>
-      <mc:AlternateContent xmlns:mc="http://schemas.openxmlformats.org/markup-compatibility/2006">
-        <mc:Choice xmlns:a14="http://schemas.microsoft.com/office/drawing/2010/main" Requires="a14">
+      <mc:AlternateContent xmlns:mc="http://schemas.openxmlformats.org/markup-compatibility/2006" xmlns:a14="http://schemas.microsoft.com/office/drawing/2010/main">
+        <mc:Choice Requires="a14">
           <p:sp>
             <p:nvSpPr>
               <p:cNvPr id="2" name="Заголовок 1">
@@ -9992,7 +10001,7 @@
             </p:txBody>
           </p:sp>
         </mc:Choice>
-        <mc:Fallback>
+        <mc:Fallback xmlns="">
           <p:sp>
             <p:nvSpPr>
               <p:cNvPr id="2" name="Заголовок 1">
@@ -10032,8 +10041,8 @@
           </p:sp>
         </mc:Fallback>
       </mc:AlternateContent>
-      <mc:AlternateContent xmlns:mc="http://schemas.openxmlformats.org/markup-compatibility/2006">
-        <mc:Choice xmlns:a14="http://schemas.microsoft.com/office/drawing/2010/main" Requires="a14">
+      <mc:AlternateContent xmlns:mc="http://schemas.openxmlformats.org/markup-compatibility/2006" xmlns:a14="http://schemas.microsoft.com/office/drawing/2010/main">
+        <mc:Choice Requires="a14">
           <p:sp>
             <p:nvSpPr>
               <p:cNvPr id="3" name="Объект 2">
@@ -10358,7 +10367,7 @@
             </p:txBody>
           </p:sp>
         </mc:Choice>
-        <mc:Fallback>
+        <mc:Fallback xmlns="">
           <p:sp>
             <p:nvSpPr>
               <p:cNvPr id="3" name="Объект 2">
@@ -10425,7 +10434,7 @@
           <a:p>
             <a:fld id="{819F9415-323C-45DC-855D-3E6D6A8D07B8}" type="datetime1">
               <a:rPr lang="ru-RU" smtClean="0"/>
-              <a:t>27.12.2022</a:t>
+              <a:t>09.01.2023</a:t>
             </a:fld>
             <a:endParaRPr lang="ru-RU"/>
           </a:p>
@@ -10518,8 +10527,8 @@
           <a:chExt cx="0" cy="0"/>
         </a:xfrm>
       </p:grpSpPr>
-      <mc:AlternateContent xmlns:mc="http://schemas.openxmlformats.org/markup-compatibility/2006">
-        <mc:Choice xmlns:a14="http://schemas.microsoft.com/office/drawing/2010/main" Requires="a14">
+      <mc:AlternateContent xmlns:mc="http://schemas.openxmlformats.org/markup-compatibility/2006" xmlns:a14="http://schemas.microsoft.com/office/drawing/2010/main">
+        <mc:Choice Requires="a14">
           <p:sp>
             <p:nvSpPr>
               <p:cNvPr id="2" name="Заголовок 1">
@@ -10578,7 +10587,7 @@
             </p:txBody>
           </p:sp>
         </mc:Choice>
-        <mc:Fallback>
+        <mc:Fallback xmlns="">
           <p:sp>
             <p:nvSpPr>
               <p:cNvPr id="2" name="Заголовок 1">
@@ -10641,7 +10650,7 @@
           <a:p>
             <a:fld id="{819F9415-323C-45DC-855D-3E6D6A8D07B8}" type="datetime1">
               <a:rPr lang="ru-RU" smtClean="0"/>
-              <a:t>27.12.2022</a:t>
+              <a:t>09.01.2023</a:t>
             </a:fld>
             <a:endParaRPr lang="ru-RU"/>
           </a:p>
@@ -10779,8 +10788,8 @@
           <a:chExt cx="0" cy="0"/>
         </a:xfrm>
       </p:grpSpPr>
-      <mc:AlternateContent xmlns:mc="http://schemas.openxmlformats.org/markup-compatibility/2006">
-        <mc:Choice xmlns:a14="http://schemas.microsoft.com/office/drawing/2010/main" Requires="a14">
+      <mc:AlternateContent xmlns:mc="http://schemas.openxmlformats.org/markup-compatibility/2006" xmlns:a14="http://schemas.microsoft.com/office/drawing/2010/main">
+        <mc:Choice Requires="a14">
           <p:sp>
             <p:nvSpPr>
               <p:cNvPr id="2" name="Заголовок 1">
@@ -10839,7 +10848,7 @@
             </p:txBody>
           </p:sp>
         </mc:Choice>
-        <mc:Fallback>
+        <mc:Fallback xmlns="">
           <p:sp>
             <p:nvSpPr>
               <p:cNvPr id="2" name="Заголовок 1">
@@ -10902,7 +10911,7 @@
           <a:p>
             <a:fld id="{819F9415-323C-45DC-855D-3E6D6A8D07B8}" type="datetime1">
               <a:rPr lang="ru-RU" smtClean="0"/>
-              <a:t>27.12.2022</a:t>
+              <a:t>09.01.2023</a:t>
             </a:fld>
             <a:endParaRPr lang="ru-RU"/>
           </a:p>
@@ -11040,8 +11049,8 @@
           <a:chExt cx="0" cy="0"/>
         </a:xfrm>
       </p:grpSpPr>
-      <mc:AlternateContent xmlns:mc="http://schemas.openxmlformats.org/markup-compatibility/2006">
-        <mc:Choice xmlns:a14="http://schemas.microsoft.com/office/drawing/2010/main" Requires="a14">
+      <mc:AlternateContent xmlns:mc="http://schemas.openxmlformats.org/markup-compatibility/2006" xmlns:a14="http://schemas.microsoft.com/office/drawing/2010/main">
+        <mc:Choice Requires="a14">
           <p:sp>
             <p:nvSpPr>
               <p:cNvPr id="2" name="Заголовок 1">
@@ -11100,7 +11109,7 @@
             </p:txBody>
           </p:sp>
         </mc:Choice>
-        <mc:Fallback>
+        <mc:Fallback xmlns="">
           <p:sp>
             <p:nvSpPr>
               <p:cNvPr id="2" name="Заголовок 1">
@@ -11163,7 +11172,7 @@
           <a:p>
             <a:fld id="{819F9415-323C-45DC-855D-3E6D6A8D07B8}" type="datetime1">
               <a:rPr lang="ru-RU" smtClean="0"/>
-              <a:t>27.12.2022</a:t>
+              <a:t>09.01.2023</a:t>
             </a:fld>
             <a:endParaRPr lang="ru-RU"/>
           </a:p>
@@ -11329,8 +11338,8 @@
           </a:p>
         </p:txBody>
       </p:sp>
-      <mc:AlternateContent xmlns:mc="http://schemas.openxmlformats.org/markup-compatibility/2006">
-        <mc:Choice xmlns:a14="http://schemas.microsoft.com/office/drawing/2010/main" Requires="a14">
+      <mc:AlternateContent xmlns:mc="http://schemas.openxmlformats.org/markup-compatibility/2006" xmlns:a14="http://schemas.microsoft.com/office/drawing/2010/main">
+        <mc:Choice Requires="a14">
           <p:sp>
             <p:nvSpPr>
               <p:cNvPr id="3" name="Объект 2">
@@ -11539,7 +11548,7 @@
             </p:txBody>
           </p:sp>
         </mc:Choice>
-        <mc:Fallback>
+        <mc:Fallback xmlns="">
           <p:sp>
             <p:nvSpPr>
               <p:cNvPr id="3" name="Объект 2">
@@ -11606,7 +11615,7 @@
           <a:p>
             <a:fld id="{819F9415-323C-45DC-855D-3E6D6A8D07B8}" type="datetime1">
               <a:rPr lang="ru-RU" smtClean="0"/>
-              <a:t>26.12.2022</a:t>
+              <a:t>09.01.2023</a:t>
             </a:fld>
             <a:endParaRPr lang="ru-RU"/>
           </a:p>
@@ -11669,8 +11678,8 @@
           </a:p>
         </p:txBody>
       </p:sp>
-      <mc:AlternateContent xmlns:mc="http://schemas.openxmlformats.org/markup-compatibility/2006">
-        <mc:Choice xmlns:a14="http://schemas.microsoft.com/office/drawing/2010/main" Requires="a14">
+      <mc:AlternateContent xmlns:mc="http://schemas.openxmlformats.org/markup-compatibility/2006" xmlns:a14="http://schemas.microsoft.com/office/drawing/2010/main">
+        <mc:Choice Requires="a14">
           <p:sp>
             <p:nvSpPr>
               <p:cNvPr id="7" name="Объект 2">
@@ -11882,7 +11891,7 @@
             </p:txBody>
           </p:sp>
         </mc:Choice>
-        <mc:Fallback>
+        <mc:Fallback xmlns="">
           <p:sp>
             <p:nvSpPr>
               <p:cNvPr id="7" name="Объект 2">
@@ -11940,6 +11949,2002 @@
 </p:sld>
 </file>
 
+<file path=ppt/slides/slide30.xml><?xml version="1.0" encoding="utf-8"?>
+<p:sld xmlns:a="http://schemas.openxmlformats.org/drawingml/2006/main" xmlns:r="http://schemas.openxmlformats.org/officeDocument/2006/relationships" xmlns:p="http://schemas.openxmlformats.org/presentationml/2006/main">
+  <p:cSld>
+    <p:spTree>
+      <p:nvGrpSpPr>
+        <p:cNvPr id="1" name=""/>
+        <p:cNvGrpSpPr/>
+        <p:nvPr/>
+      </p:nvGrpSpPr>
+      <p:grpSpPr>
+        <a:xfrm>
+          <a:off x="0" y="0"/>
+          <a:ext cx="0" cy="0"/>
+          <a:chOff x="0" y="0"/>
+          <a:chExt cx="0" cy="0"/>
+        </a:xfrm>
+      </p:grpSpPr>
+      <p:sp>
+        <p:nvSpPr>
+          <p:cNvPr id="4" name="Дата 3">
+            <a:extLst>
+              <a:ext uri="{FF2B5EF4-FFF2-40B4-BE49-F238E27FC236}">
+                <a16:creationId xmlns:a16="http://schemas.microsoft.com/office/drawing/2014/main" id="{FF5A4B19-BB6F-499A-A434-3493E1FBB271}"/>
+              </a:ext>
+            </a:extLst>
+          </p:cNvPr>
+          <p:cNvSpPr>
+            <a:spLocks noGrp="1"/>
+          </p:cNvSpPr>
+          <p:nvPr>
+            <p:ph type="dt" sz="half" idx="10"/>
+          </p:nvPr>
+        </p:nvSpPr>
+        <p:spPr/>
+        <p:txBody>
+          <a:bodyPr/>
+          <a:lstStyle/>
+          <a:p>
+            <a:fld id="{819F9415-323C-45DC-855D-3E6D6A8D07B8}" type="datetime1">
+              <a:rPr lang="ru-RU" smtClean="0"/>
+              <a:t>09.01.2023</a:t>
+            </a:fld>
+            <a:endParaRPr lang="ru-RU"/>
+          </a:p>
+        </p:txBody>
+      </p:sp>
+      <p:sp>
+        <p:nvSpPr>
+          <p:cNvPr id="5" name="Нижний колонтитул 4">
+            <a:extLst>
+              <a:ext uri="{FF2B5EF4-FFF2-40B4-BE49-F238E27FC236}">
+                <a16:creationId xmlns:a16="http://schemas.microsoft.com/office/drawing/2014/main" id="{BE547FFC-0207-438D-A4C5-ACF883FA8E8A}"/>
+              </a:ext>
+            </a:extLst>
+          </p:cNvPr>
+          <p:cNvSpPr>
+            <a:spLocks noGrp="1"/>
+          </p:cNvSpPr>
+          <p:nvPr>
+            <p:ph type="ftr" sz="quarter" idx="11"/>
+          </p:nvPr>
+        </p:nvSpPr>
+        <p:spPr/>
+        <p:txBody>
+          <a:bodyPr/>
+          <a:lstStyle/>
+          <a:p>
+            <a:r>
+              <a:rPr lang="ru-RU"/>
+              <a:t>Курпас Артём Викторович ДВФУ Б9121-09.03.03ПИКД</a:t>
+            </a:r>
+          </a:p>
+        </p:txBody>
+      </p:sp>
+      <p:sp>
+        <p:nvSpPr>
+          <p:cNvPr id="6" name="Номер слайда 5">
+            <a:extLst>
+              <a:ext uri="{FF2B5EF4-FFF2-40B4-BE49-F238E27FC236}">
+                <a16:creationId xmlns:a16="http://schemas.microsoft.com/office/drawing/2014/main" id="{54E17817-B34A-47CE-A6B6-16B4C85F7F72}"/>
+              </a:ext>
+            </a:extLst>
+          </p:cNvPr>
+          <p:cNvSpPr>
+            <a:spLocks noGrp="1"/>
+          </p:cNvSpPr>
+          <p:nvPr>
+            <p:ph type="sldNum" sz="quarter" idx="12"/>
+          </p:nvPr>
+        </p:nvSpPr>
+        <p:spPr/>
+        <p:txBody>
+          <a:bodyPr/>
+          <a:lstStyle/>
+          <a:p>
+            <a:fld id="{D9960756-DCC9-44ED-A5D4-481F9F79AFC9}" type="slidenum">
+              <a:rPr lang="ru-RU" smtClean="0"/>
+              <a:t>30</a:t>
+            </a:fld>
+            <a:endParaRPr lang="ru-RU"/>
+          </a:p>
+        </p:txBody>
+      </p:sp>
+      <p:sp>
+        <p:nvSpPr>
+          <p:cNvPr id="8" name="Заголовок 7">
+            <a:extLst>
+              <a:ext uri="{FF2B5EF4-FFF2-40B4-BE49-F238E27FC236}">
+                <a16:creationId xmlns:a16="http://schemas.microsoft.com/office/drawing/2014/main" id="{786829E7-BAA3-45BE-98F1-0B9E51957BE3}"/>
+              </a:ext>
+            </a:extLst>
+          </p:cNvPr>
+          <p:cNvSpPr>
+            <a:spLocks noGrp="1"/>
+          </p:cNvSpPr>
+          <p:nvPr>
+            <p:ph type="title"/>
+          </p:nvPr>
+        </p:nvSpPr>
+        <p:spPr>
+          <a:xfrm>
+            <a:off x="838200" y="2766218"/>
+            <a:ext cx="10515600" cy="1325563"/>
+          </a:xfrm>
+        </p:spPr>
+        <p:txBody>
+          <a:bodyPr/>
+          <a:lstStyle/>
+          <a:p>
+            <a:pPr algn="ctr"/>
+            <a:r>
+              <a:rPr lang="ru-RU" dirty="0"/>
+              <a:t>Тестирование и анализ производительности</a:t>
+            </a:r>
+          </a:p>
+        </p:txBody>
+      </p:sp>
+    </p:spTree>
+    <p:extLst>
+      <p:ext uri="{BB962C8B-B14F-4D97-AF65-F5344CB8AC3E}">
+        <p14:creationId xmlns:p14="http://schemas.microsoft.com/office/powerpoint/2010/main" val="3434220060"/>
+      </p:ext>
+    </p:extLst>
+  </p:cSld>
+  <p:clrMapOvr>
+    <a:masterClrMapping/>
+  </p:clrMapOvr>
+</p:sld>
+</file>
+
+<file path=ppt/slides/slide31.xml><?xml version="1.0" encoding="utf-8"?>
+<p:sld xmlns:a="http://schemas.openxmlformats.org/drawingml/2006/main" xmlns:r="http://schemas.openxmlformats.org/officeDocument/2006/relationships" xmlns:p="http://schemas.openxmlformats.org/presentationml/2006/main">
+  <p:cSld>
+    <p:spTree>
+      <p:nvGrpSpPr>
+        <p:cNvPr id="1" name=""/>
+        <p:cNvGrpSpPr/>
+        <p:nvPr/>
+      </p:nvGrpSpPr>
+      <p:grpSpPr>
+        <a:xfrm>
+          <a:off x="0" y="0"/>
+          <a:ext cx="0" cy="0"/>
+          <a:chOff x="0" y="0"/>
+          <a:chExt cx="0" cy="0"/>
+        </a:xfrm>
+      </p:grpSpPr>
+      <p:sp>
+        <p:nvSpPr>
+          <p:cNvPr id="2" name="Заголовок 1">
+            <a:extLst>
+              <a:ext uri="{FF2B5EF4-FFF2-40B4-BE49-F238E27FC236}">
+                <a16:creationId xmlns:a16="http://schemas.microsoft.com/office/drawing/2014/main" id="{261D57C0-5460-469D-8EB9-CDBE66E2459D}"/>
+              </a:ext>
+            </a:extLst>
+          </p:cNvPr>
+          <p:cNvSpPr>
+            <a:spLocks noGrp="1"/>
+          </p:cNvSpPr>
+          <p:nvPr>
+            <p:ph type="title"/>
+          </p:nvPr>
+        </p:nvSpPr>
+        <p:spPr/>
+        <p:txBody>
+          <a:bodyPr/>
+          <a:lstStyle/>
+          <a:p>
+            <a:r>
+              <a:rPr lang="ru-RU" dirty="0"/>
+              <a:t>Методология тестирования</a:t>
+            </a:r>
+          </a:p>
+        </p:txBody>
+      </p:sp>
+      <mc:AlternateContent xmlns:mc="http://schemas.openxmlformats.org/markup-compatibility/2006">
+        <mc:Choice xmlns:a14="http://schemas.microsoft.com/office/drawing/2010/main" Requires="a14">
+          <p:sp>
+            <p:nvSpPr>
+              <p:cNvPr id="3" name="Объект 2">
+                <a:extLst>
+                  <a:ext uri="{FF2B5EF4-FFF2-40B4-BE49-F238E27FC236}">
+                    <a16:creationId xmlns:a16="http://schemas.microsoft.com/office/drawing/2014/main" id="{F1AC8442-3AAD-43C2-8212-3679AA1705D0}"/>
+                  </a:ext>
+                </a:extLst>
+              </p:cNvPr>
+              <p:cNvSpPr>
+                <a:spLocks noGrp="1"/>
+              </p:cNvSpPr>
+              <p:nvPr>
+                <p:ph idx="1"/>
+              </p:nvPr>
+            </p:nvSpPr>
+            <p:spPr/>
+            <p:txBody>
+              <a:bodyPr/>
+              <a:lstStyle/>
+              <a:p>
+                <a:r>
+                  <a:rPr lang="ru-RU" i="1" dirty="0"/>
+                  <a:t>25 тестов</a:t>
+                </a:r>
+              </a:p>
+              <a:p>
+                <a:pPr lvl="1"/>
+                <a:r>
+                  <a:rPr lang="ru-RU" i="1" dirty="0"/>
+                  <a:t>5 – на корректность</a:t>
+                </a:r>
+              </a:p>
+              <a:p>
+                <a:pPr lvl="1"/>
+                <a:r>
+                  <a:rPr lang="ru-RU" i="1" dirty="0"/>
+                  <a:t>20 – на производительность</a:t>
+                </a:r>
+              </a:p>
+              <a:p>
+                <a:r>
+                  <a:rPr lang="en-US" i="1" dirty="0" err="1"/>
+                  <a:t>run_tests.h</a:t>
+                </a:r>
+                <a:r>
+                  <a:rPr lang="en-US" i="1" dirty="0"/>
+                  <a:t> – </a:t>
+                </a:r>
+                <a:r>
+                  <a:rPr lang="ru-RU" i="1" dirty="0"/>
+                  <a:t>тестирующая программа</a:t>
+                </a:r>
+                <a:endParaRPr lang="en-US" i="1" dirty="0"/>
+              </a:p>
+              <a:p>
+                <a:r>
+                  <a:rPr lang="en-US" i="1" dirty="0" err="1"/>
+                  <a:t>test_generate.h</a:t>
+                </a:r>
+                <a:r>
+                  <a:rPr lang="ru-RU" i="1" dirty="0"/>
+                  <a:t> </a:t>
+                </a:r>
+                <a:r>
+                  <a:rPr lang="en-US" i="1" dirty="0"/>
+                  <a:t>– </a:t>
+                </a:r>
+                <a:r>
+                  <a:rPr lang="ru-RU" i="1" dirty="0"/>
+                  <a:t>генератор случайных ключей</a:t>
+                </a:r>
+              </a:p>
+              <a:p>
+                <a:r>
+                  <a:rPr lang="en-US" i="1" dirty="0"/>
+                  <a:t>chrono –</a:t>
+                </a:r>
+                <a:r>
+                  <a:rPr lang="ru-RU" i="1" dirty="0"/>
+                  <a:t> замер времени</a:t>
+                </a:r>
+                <a:endParaRPr lang="en-US" i="1" dirty="0"/>
+              </a:p>
+              <a:p>
+                <a14:m>
+                  <m:oMath xmlns:m="http://schemas.openxmlformats.org/officeDocument/2006/math">
+                    <m:r>
+                      <a:rPr lang="en-US" i="1" dirty="0" smtClean="0">
+                        <a:latin typeface="Cambria Math" panose="02040503050406030204" pitchFamily="18" charset="0"/>
+                      </a:rPr>
+                      <m:t>𝑔𝑒𝑡</m:t>
+                    </m:r>
+                    <m:r>
+                      <a:rPr lang="en-US" i="1" dirty="0" smtClean="0">
+                        <a:latin typeface="Cambria Math" panose="02040503050406030204" pitchFamily="18" charset="0"/>
+                      </a:rPr>
+                      <m:t>_</m:t>
+                    </m:r>
+                    <m:r>
+                      <a:rPr lang="en-US" i="1" dirty="0" smtClean="0">
+                        <a:latin typeface="Cambria Math" panose="02040503050406030204" pitchFamily="18" charset="0"/>
+                      </a:rPr>
+                      <m:t>𝑖𝑛𝑠𝑒𝑟𝑡</m:t>
+                    </m:r>
+                    <m:r>
+                      <a:rPr lang="en-US" i="1" dirty="0" smtClean="0">
+                        <a:latin typeface="Cambria Math" panose="02040503050406030204" pitchFamily="18" charset="0"/>
+                      </a:rPr>
+                      <m:t>_</m:t>
+                    </m:r>
+                    <m:r>
+                      <a:rPr lang="en-US" i="1" dirty="0" smtClean="0">
+                        <a:latin typeface="Cambria Math" panose="02040503050406030204" pitchFamily="18" charset="0"/>
+                      </a:rPr>
+                      <m:t>𝑜𝑝𝑠</m:t>
+                    </m:r>
+                    <m:r>
+                      <a:rPr lang="en-US" i="1" dirty="0" smtClean="0">
+                        <a:latin typeface="Cambria Math" panose="02040503050406030204" pitchFamily="18" charset="0"/>
+                      </a:rPr>
+                      <m:t>(), </m:t>
+                    </m:r>
+                    <m:r>
+                      <a:rPr lang="en-US" i="1" dirty="0" smtClean="0">
+                        <a:latin typeface="Cambria Math" panose="02040503050406030204" pitchFamily="18" charset="0"/>
+                      </a:rPr>
+                      <m:t>𝑔𝑒𝑡</m:t>
+                    </m:r>
+                    <m:r>
+                      <a:rPr lang="en-US" i="1" dirty="0" smtClean="0">
+                        <a:latin typeface="Cambria Math" panose="02040503050406030204" pitchFamily="18" charset="0"/>
+                      </a:rPr>
+                      <m:t>_</m:t>
+                    </m:r>
+                    <m:r>
+                      <a:rPr lang="en-US" i="1" dirty="0" smtClean="0">
+                        <a:latin typeface="Cambria Math" panose="02040503050406030204" pitchFamily="18" charset="0"/>
+                      </a:rPr>
+                      <m:t>𝑒𝑟𝑎𝑠𝑒</m:t>
+                    </m:r>
+                    <m:r>
+                      <a:rPr lang="en-US" i="1" dirty="0" smtClean="0">
+                        <a:latin typeface="Cambria Math" panose="02040503050406030204" pitchFamily="18" charset="0"/>
+                      </a:rPr>
+                      <m:t>_</m:t>
+                    </m:r>
+                    <m:r>
+                      <a:rPr lang="en-US" i="1" dirty="0" smtClean="0">
+                        <a:latin typeface="Cambria Math" panose="02040503050406030204" pitchFamily="18" charset="0"/>
+                      </a:rPr>
+                      <m:t>𝑜𝑝𝑠</m:t>
+                    </m:r>
+                    <m:r>
+                      <a:rPr lang="en-US" i="1" dirty="0" smtClean="0">
+                        <a:latin typeface="Cambria Math" panose="02040503050406030204" pitchFamily="18" charset="0"/>
+                      </a:rPr>
+                      <m:t>(), </m:t>
+                    </m:r>
+                    <m:r>
+                      <a:rPr lang="en-US" i="1" dirty="0" smtClean="0">
+                        <a:latin typeface="Cambria Math" panose="02040503050406030204" pitchFamily="18" charset="0"/>
+                      </a:rPr>
+                      <m:t>𝑔𝑒𝑡</m:t>
+                    </m:r>
+                    <m:r>
+                      <a:rPr lang="en-US" i="1" dirty="0" smtClean="0">
+                        <a:latin typeface="Cambria Math" panose="02040503050406030204" pitchFamily="18" charset="0"/>
+                      </a:rPr>
+                      <m:t>_</m:t>
+                    </m:r>
+                    <m:r>
+                      <a:rPr lang="en-US" i="1" dirty="0" smtClean="0">
+                        <a:latin typeface="Cambria Math" panose="02040503050406030204" pitchFamily="18" charset="0"/>
+                      </a:rPr>
+                      <m:t>𝑎𝑐𝑐𝑒𝑠𝑠</m:t>
+                    </m:r>
+                    <m:r>
+                      <a:rPr lang="en-US" i="1" dirty="0" smtClean="0">
+                        <a:latin typeface="Cambria Math" panose="02040503050406030204" pitchFamily="18" charset="0"/>
+                      </a:rPr>
+                      <m:t>_</m:t>
+                    </m:r>
+                    <m:r>
+                      <a:rPr lang="en-US" i="1" dirty="0" smtClean="0">
+                        <a:latin typeface="Cambria Math" panose="02040503050406030204" pitchFamily="18" charset="0"/>
+                      </a:rPr>
+                      <m:t>𝑜𝑝𝑠</m:t>
+                    </m:r>
+                    <m:r>
+                      <a:rPr lang="en-US" i="1" dirty="0" smtClean="0">
+                        <a:latin typeface="Cambria Math" panose="02040503050406030204" pitchFamily="18" charset="0"/>
+                      </a:rPr>
+                      <m:t>() </m:t>
+                    </m:r>
+                  </m:oMath>
+                </a14:m>
+                <a:r>
+                  <a:rPr lang="en-US" i="1" dirty="0"/>
+                  <a:t>– </a:t>
+                </a:r>
+                <a:r>
+                  <a:rPr lang="ru-RU" i="1" dirty="0"/>
+                  <a:t>встроенные методы для получения кол-ва операций</a:t>
+                </a:r>
+              </a:p>
+            </p:txBody>
+          </p:sp>
+        </mc:Choice>
+        <mc:Fallback>
+          <p:sp>
+            <p:nvSpPr>
+              <p:cNvPr id="3" name="Объект 2">
+                <a:extLst>
+                  <a:ext uri="{FF2B5EF4-FFF2-40B4-BE49-F238E27FC236}">
+                    <a16:creationId xmlns:a16="http://schemas.microsoft.com/office/drawing/2014/main" id="{F1AC8442-3AAD-43C2-8212-3679AA1705D0}"/>
+                  </a:ext>
+                </a:extLst>
+              </p:cNvPr>
+              <p:cNvSpPr>
+                <a:spLocks noGrp="1" noRot="1" noChangeAspect="1" noMove="1" noResize="1" noEditPoints="1" noAdjustHandles="1" noChangeArrowheads="1" noChangeShapeType="1" noTextEdit="1"/>
+              </p:cNvSpPr>
+              <p:nvPr>
+                <p:ph idx="1"/>
+              </p:nvPr>
+            </p:nvSpPr>
+            <p:spPr>
+              <a:blipFill>
+                <a:blip r:embed="rId2"/>
+                <a:stretch>
+                  <a:fillRect l="-1043" t="-2241"/>
+                </a:stretch>
+              </a:blipFill>
+            </p:spPr>
+            <p:txBody>
+              <a:bodyPr/>
+              <a:lstStyle/>
+              <a:p>
+                <a:r>
+                  <a:rPr lang="ru-RU">
+                    <a:noFill/>
+                  </a:rPr>
+                  <a:t> </a:t>
+                </a:r>
+              </a:p>
+            </p:txBody>
+          </p:sp>
+        </mc:Fallback>
+      </mc:AlternateContent>
+      <p:sp>
+        <p:nvSpPr>
+          <p:cNvPr id="4" name="Дата 3">
+            <a:extLst>
+              <a:ext uri="{FF2B5EF4-FFF2-40B4-BE49-F238E27FC236}">
+                <a16:creationId xmlns:a16="http://schemas.microsoft.com/office/drawing/2014/main" id="{F99A9E4F-0E2F-45C3-9714-FBBBF0576314}"/>
+              </a:ext>
+            </a:extLst>
+          </p:cNvPr>
+          <p:cNvSpPr>
+            <a:spLocks noGrp="1"/>
+          </p:cNvSpPr>
+          <p:nvPr>
+            <p:ph type="dt" sz="half" idx="10"/>
+          </p:nvPr>
+        </p:nvSpPr>
+        <p:spPr/>
+        <p:txBody>
+          <a:bodyPr/>
+          <a:lstStyle/>
+          <a:p>
+            <a:fld id="{819F9415-323C-45DC-855D-3E6D6A8D07B8}" type="datetime1">
+              <a:rPr lang="ru-RU" smtClean="0"/>
+              <a:t>09.01.2023</a:t>
+            </a:fld>
+            <a:endParaRPr lang="ru-RU" dirty="0"/>
+          </a:p>
+        </p:txBody>
+      </p:sp>
+      <p:sp>
+        <p:nvSpPr>
+          <p:cNvPr id="5" name="Нижний колонтитул 4">
+            <a:extLst>
+              <a:ext uri="{FF2B5EF4-FFF2-40B4-BE49-F238E27FC236}">
+                <a16:creationId xmlns:a16="http://schemas.microsoft.com/office/drawing/2014/main" id="{1D821F01-9A11-4ACB-BC15-512DAABAF205}"/>
+              </a:ext>
+            </a:extLst>
+          </p:cNvPr>
+          <p:cNvSpPr>
+            <a:spLocks noGrp="1"/>
+          </p:cNvSpPr>
+          <p:nvPr>
+            <p:ph type="ftr" sz="quarter" idx="11"/>
+          </p:nvPr>
+        </p:nvSpPr>
+        <p:spPr/>
+        <p:txBody>
+          <a:bodyPr/>
+          <a:lstStyle/>
+          <a:p>
+            <a:r>
+              <a:rPr lang="ru-RU"/>
+              <a:t>Курпас Артём Викторович ДВФУ Б9121-09.03.03ПИКД</a:t>
+            </a:r>
+          </a:p>
+        </p:txBody>
+      </p:sp>
+      <p:sp>
+        <p:nvSpPr>
+          <p:cNvPr id="6" name="Номер слайда 5">
+            <a:extLst>
+              <a:ext uri="{FF2B5EF4-FFF2-40B4-BE49-F238E27FC236}">
+                <a16:creationId xmlns:a16="http://schemas.microsoft.com/office/drawing/2014/main" id="{60A1CBDB-E1C2-4DE4-A5DD-EA9511481D24}"/>
+              </a:ext>
+            </a:extLst>
+          </p:cNvPr>
+          <p:cNvSpPr>
+            <a:spLocks noGrp="1"/>
+          </p:cNvSpPr>
+          <p:nvPr>
+            <p:ph type="sldNum" sz="quarter" idx="12"/>
+          </p:nvPr>
+        </p:nvSpPr>
+        <p:spPr/>
+        <p:txBody>
+          <a:bodyPr/>
+          <a:lstStyle/>
+          <a:p>
+            <a:fld id="{D9960756-DCC9-44ED-A5D4-481F9F79AFC9}" type="slidenum">
+              <a:rPr lang="ru-RU" smtClean="0"/>
+              <a:t>31</a:t>
+            </a:fld>
+            <a:endParaRPr lang="ru-RU"/>
+          </a:p>
+        </p:txBody>
+      </p:sp>
+    </p:spTree>
+    <p:extLst>
+      <p:ext uri="{BB962C8B-B14F-4D97-AF65-F5344CB8AC3E}">
+        <p14:creationId xmlns:p14="http://schemas.microsoft.com/office/powerpoint/2010/main" val="3935845133"/>
+      </p:ext>
+    </p:extLst>
+  </p:cSld>
+  <p:clrMapOvr>
+    <a:masterClrMapping/>
+  </p:clrMapOvr>
+</p:sld>
+</file>
+
+<file path=ppt/slides/slide32.xml><?xml version="1.0" encoding="utf-8"?>
+<p:sld xmlns:a="http://schemas.openxmlformats.org/drawingml/2006/main" xmlns:r="http://schemas.openxmlformats.org/officeDocument/2006/relationships" xmlns:p="http://schemas.openxmlformats.org/presentationml/2006/main">
+  <p:cSld>
+    <p:spTree>
+      <p:nvGrpSpPr>
+        <p:cNvPr id="1" name=""/>
+        <p:cNvGrpSpPr/>
+        <p:nvPr/>
+      </p:nvGrpSpPr>
+      <p:grpSpPr>
+        <a:xfrm>
+          <a:off x="0" y="0"/>
+          <a:ext cx="0" cy="0"/>
+          <a:chOff x="0" y="0"/>
+          <a:chExt cx="0" cy="0"/>
+        </a:xfrm>
+      </p:grpSpPr>
+      <p:sp>
+        <p:nvSpPr>
+          <p:cNvPr id="2" name="Заголовок 1">
+            <a:extLst>
+              <a:ext uri="{FF2B5EF4-FFF2-40B4-BE49-F238E27FC236}">
+                <a16:creationId xmlns:a16="http://schemas.microsoft.com/office/drawing/2014/main" id="{638D8784-21B4-44E2-90DA-C844EECC380C}"/>
+              </a:ext>
+            </a:extLst>
+          </p:cNvPr>
+          <p:cNvSpPr>
+            <a:spLocks noGrp="1"/>
+          </p:cNvSpPr>
+          <p:nvPr>
+            <p:ph type="title"/>
+          </p:nvPr>
+        </p:nvSpPr>
+        <p:spPr/>
+        <p:txBody>
+          <a:bodyPr/>
+          <a:lstStyle/>
+          <a:p>
+            <a:r>
+              <a:rPr lang="ru-RU" dirty="0"/>
+              <a:t>Тестирование времени вставки (тесты 6-10)</a:t>
+            </a:r>
+          </a:p>
+        </p:txBody>
+      </p:sp>
+      <p:pic>
+        <p:nvPicPr>
+          <p:cNvPr id="8" name="Объект 7">
+            <a:extLst>
+              <a:ext uri="{FF2B5EF4-FFF2-40B4-BE49-F238E27FC236}">
+                <a16:creationId xmlns:a16="http://schemas.microsoft.com/office/drawing/2014/main" id="{81202D70-F58F-4204-BC31-D6DB54B5189B}"/>
+              </a:ext>
+            </a:extLst>
+          </p:cNvPr>
+          <p:cNvPicPr>
+            <a:picLocks noGrp="1" noChangeAspect="1"/>
+          </p:cNvPicPr>
+          <p:nvPr>
+            <p:ph idx="1"/>
+          </p:nvPr>
+        </p:nvPicPr>
+        <p:blipFill>
+          <a:blip r:embed="rId2">
+            <a:extLst>
+              <a:ext uri="{28A0092B-C50C-407E-A947-70E740481C1C}">
+                <a14:useLocalDpi xmlns:a14="http://schemas.microsoft.com/office/drawing/2010/main" val="0"/>
+              </a:ext>
+            </a:extLst>
+          </a:blip>
+          <a:stretch>
+            <a:fillRect/>
+          </a:stretch>
+        </p:blipFill>
+        <p:spPr>
+          <a:xfrm>
+            <a:off x="3195108" y="1825625"/>
+            <a:ext cx="5801784" cy="4351338"/>
+          </a:xfrm>
+        </p:spPr>
+      </p:pic>
+      <p:sp>
+        <p:nvSpPr>
+          <p:cNvPr id="4" name="Дата 3">
+            <a:extLst>
+              <a:ext uri="{FF2B5EF4-FFF2-40B4-BE49-F238E27FC236}">
+                <a16:creationId xmlns:a16="http://schemas.microsoft.com/office/drawing/2014/main" id="{336F6C9B-4E0B-4D8C-8317-79B5A32AAB10}"/>
+              </a:ext>
+            </a:extLst>
+          </p:cNvPr>
+          <p:cNvSpPr>
+            <a:spLocks noGrp="1"/>
+          </p:cNvSpPr>
+          <p:nvPr>
+            <p:ph type="dt" sz="half" idx="10"/>
+          </p:nvPr>
+        </p:nvSpPr>
+        <p:spPr/>
+        <p:txBody>
+          <a:bodyPr/>
+          <a:lstStyle/>
+          <a:p>
+            <a:fld id="{819F9415-323C-45DC-855D-3E6D6A8D07B8}" type="datetime1">
+              <a:rPr lang="ru-RU" smtClean="0"/>
+              <a:t>09.01.2023</a:t>
+            </a:fld>
+            <a:endParaRPr lang="ru-RU"/>
+          </a:p>
+        </p:txBody>
+      </p:sp>
+      <p:sp>
+        <p:nvSpPr>
+          <p:cNvPr id="5" name="Нижний колонтитул 4">
+            <a:extLst>
+              <a:ext uri="{FF2B5EF4-FFF2-40B4-BE49-F238E27FC236}">
+                <a16:creationId xmlns:a16="http://schemas.microsoft.com/office/drawing/2014/main" id="{D961354E-C520-44A1-82F9-28DD508637E6}"/>
+              </a:ext>
+            </a:extLst>
+          </p:cNvPr>
+          <p:cNvSpPr>
+            <a:spLocks noGrp="1"/>
+          </p:cNvSpPr>
+          <p:nvPr>
+            <p:ph type="ftr" sz="quarter" idx="11"/>
+          </p:nvPr>
+        </p:nvSpPr>
+        <p:spPr/>
+        <p:txBody>
+          <a:bodyPr/>
+          <a:lstStyle/>
+          <a:p>
+            <a:r>
+              <a:rPr lang="ru-RU"/>
+              <a:t>Курпас Артём Викторович ДВФУ Б9121-09.03.03ПИКД</a:t>
+            </a:r>
+          </a:p>
+        </p:txBody>
+      </p:sp>
+      <p:sp>
+        <p:nvSpPr>
+          <p:cNvPr id="6" name="Номер слайда 5">
+            <a:extLst>
+              <a:ext uri="{FF2B5EF4-FFF2-40B4-BE49-F238E27FC236}">
+                <a16:creationId xmlns:a16="http://schemas.microsoft.com/office/drawing/2014/main" id="{EE87A0C4-372C-4FD5-B25C-06EEEE55A1CA}"/>
+              </a:ext>
+            </a:extLst>
+          </p:cNvPr>
+          <p:cNvSpPr>
+            <a:spLocks noGrp="1"/>
+          </p:cNvSpPr>
+          <p:nvPr>
+            <p:ph type="sldNum" sz="quarter" idx="12"/>
+          </p:nvPr>
+        </p:nvSpPr>
+        <p:spPr/>
+        <p:txBody>
+          <a:bodyPr/>
+          <a:lstStyle/>
+          <a:p>
+            <a:fld id="{D9960756-DCC9-44ED-A5D4-481F9F79AFC9}" type="slidenum">
+              <a:rPr lang="ru-RU" smtClean="0"/>
+              <a:t>32</a:t>
+            </a:fld>
+            <a:endParaRPr lang="ru-RU"/>
+          </a:p>
+        </p:txBody>
+      </p:sp>
+    </p:spTree>
+    <p:extLst>
+      <p:ext uri="{BB962C8B-B14F-4D97-AF65-F5344CB8AC3E}">
+        <p14:creationId xmlns:p14="http://schemas.microsoft.com/office/powerpoint/2010/main" val="3240276761"/>
+      </p:ext>
+    </p:extLst>
+  </p:cSld>
+  <p:clrMapOvr>
+    <a:masterClrMapping/>
+  </p:clrMapOvr>
+</p:sld>
+</file>
+
+<file path=ppt/slides/slide33.xml><?xml version="1.0" encoding="utf-8"?>
+<p:sld xmlns:a="http://schemas.openxmlformats.org/drawingml/2006/main" xmlns:r="http://schemas.openxmlformats.org/officeDocument/2006/relationships" xmlns:p="http://schemas.openxmlformats.org/presentationml/2006/main">
+  <p:cSld>
+    <p:spTree>
+      <p:nvGrpSpPr>
+        <p:cNvPr id="1" name=""/>
+        <p:cNvGrpSpPr/>
+        <p:nvPr/>
+      </p:nvGrpSpPr>
+      <p:grpSpPr>
+        <a:xfrm>
+          <a:off x="0" y="0"/>
+          <a:ext cx="0" cy="0"/>
+          <a:chOff x="0" y="0"/>
+          <a:chExt cx="0" cy="0"/>
+        </a:xfrm>
+      </p:grpSpPr>
+      <p:sp>
+        <p:nvSpPr>
+          <p:cNvPr id="2" name="Заголовок 1">
+            <a:extLst>
+              <a:ext uri="{FF2B5EF4-FFF2-40B4-BE49-F238E27FC236}">
+                <a16:creationId xmlns:a16="http://schemas.microsoft.com/office/drawing/2014/main" id="{638D8784-21B4-44E2-90DA-C844EECC380C}"/>
+              </a:ext>
+            </a:extLst>
+          </p:cNvPr>
+          <p:cNvSpPr>
+            <a:spLocks noGrp="1"/>
+          </p:cNvSpPr>
+          <p:nvPr>
+            <p:ph type="title"/>
+          </p:nvPr>
+        </p:nvSpPr>
+        <p:spPr/>
+        <p:txBody>
+          <a:bodyPr/>
+          <a:lstStyle/>
+          <a:p>
+            <a:r>
+              <a:rPr lang="ru-RU" dirty="0"/>
+              <a:t>Тестирование времени удаления (тесты 11-15)</a:t>
+            </a:r>
+          </a:p>
+        </p:txBody>
+      </p:sp>
+      <p:pic>
+        <p:nvPicPr>
+          <p:cNvPr id="8" name="Объект 7">
+            <a:extLst>
+              <a:ext uri="{FF2B5EF4-FFF2-40B4-BE49-F238E27FC236}">
+                <a16:creationId xmlns:a16="http://schemas.microsoft.com/office/drawing/2014/main" id="{05440C97-0067-4F8A-BCCE-05DA12F807A1}"/>
+              </a:ext>
+            </a:extLst>
+          </p:cNvPr>
+          <p:cNvPicPr>
+            <a:picLocks noGrp="1" noChangeAspect="1"/>
+          </p:cNvPicPr>
+          <p:nvPr>
+            <p:ph idx="1"/>
+          </p:nvPr>
+        </p:nvPicPr>
+        <p:blipFill>
+          <a:blip r:embed="rId2">
+            <a:extLst>
+              <a:ext uri="{28A0092B-C50C-407E-A947-70E740481C1C}">
+                <a14:useLocalDpi xmlns:a14="http://schemas.microsoft.com/office/drawing/2010/main" val="0"/>
+              </a:ext>
+            </a:extLst>
+          </a:blip>
+          <a:stretch>
+            <a:fillRect/>
+          </a:stretch>
+        </p:blipFill>
+        <p:spPr>
+          <a:xfrm>
+            <a:off x="3195108" y="1825625"/>
+            <a:ext cx="5801784" cy="4351338"/>
+          </a:xfrm>
+        </p:spPr>
+      </p:pic>
+      <p:sp>
+        <p:nvSpPr>
+          <p:cNvPr id="4" name="Дата 3">
+            <a:extLst>
+              <a:ext uri="{FF2B5EF4-FFF2-40B4-BE49-F238E27FC236}">
+                <a16:creationId xmlns:a16="http://schemas.microsoft.com/office/drawing/2014/main" id="{336F6C9B-4E0B-4D8C-8317-79B5A32AAB10}"/>
+              </a:ext>
+            </a:extLst>
+          </p:cNvPr>
+          <p:cNvSpPr>
+            <a:spLocks noGrp="1"/>
+          </p:cNvSpPr>
+          <p:nvPr>
+            <p:ph type="dt" sz="half" idx="10"/>
+          </p:nvPr>
+        </p:nvSpPr>
+        <p:spPr/>
+        <p:txBody>
+          <a:bodyPr/>
+          <a:lstStyle/>
+          <a:p>
+            <a:fld id="{819F9415-323C-45DC-855D-3E6D6A8D07B8}" type="datetime1">
+              <a:rPr lang="ru-RU" smtClean="0"/>
+              <a:t>09.01.2023</a:t>
+            </a:fld>
+            <a:endParaRPr lang="ru-RU"/>
+          </a:p>
+        </p:txBody>
+      </p:sp>
+      <p:sp>
+        <p:nvSpPr>
+          <p:cNvPr id="5" name="Нижний колонтитул 4">
+            <a:extLst>
+              <a:ext uri="{FF2B5EF4-FFF2-40B4-BE49-F238E27FC236}">
+                <a16:creationId xmlns:a16="http://schemas.microsoft.com/office/drawing/2014/main" id="{D961354E-C520-44A1-82F9-28DD508637E6}"/>
+              </a:ext>
+            </a:extLst>
+          </p:cNvPr>
+          <p:cNvSpPr>
+            <a:spLocks noGrp="1"/>
+          </p:cNvSpPr>
+          <p:nvPr>
+            <p:ph type="ftr" sz="quarter" idx="11"/>
+          </p:nvPr>
+        </p:nvSpPr>
+        <p:spPr/>
+        <p:txBody>
+          <a:bodyPr/>
+          <a:lstStyle/>
+          <a:p>
+            <a:r>
+              <a:rPr lang="ru-RU"/>
+              <a:t>Курпас Артём Викторович ДВФУ Б9121-09.03.03ПИКД</a:t>
+            </a:r>
+          </a:p>
+        </p:txBody>
+      </p:sp>
+      <p:sp>
+        <p:nvSpPr>
+          <p:cNvPr id="6" name="Номер слайда 5">
+            <a:extLst>
+              <a:ext uri="{FF2B5EF4-FFF2-40B4-BE49-F238E27FC236}">
+                <a16:creationId xmlns:a16="http://schemas.microsoft.com/office/drawing/2014/main" id="{EE87A0C4-372C-4FD5-B25C-06EEEE55A1CA}"/>
+              </a:ext>
+            </a:extLst>
+          </p:cNvPr>
+          <p:cNvSpPr>
+            <a:spLocks noGrp="1"/>
+          </p:cNvSpPr>
+          <p:nvPr>
+            <p:ph type="sldNum" sz="quarter" idx="12"/>
+          </p:nvPr>
+        </p:nvSpPr>
+        <p:spPr/>
+        <p:txBody>
+          <a:bodyPr/>
+          <a:lstStyle/>
+          <a:p>
+            <a:fld id="{D9960756-DCC9-44ED-A5D4-481F9F79AFC9}" type="slidenum">
+              <a:rPr lang="ru-RU" smtClean="0"/>
+              <a:t>33</a:t>
+            </a:fld>
+            <a:endParaRPr lang="ru-RU"/>
+          </a:p>
+        </p:txBody>
+      </p:sp>
+    </p:spTree>
+    <p:extLst>
+      <p:ext uri="{BB962C8B-B14F-4D97-AF65-F5344CB8AC3E}">
+        <p14:creationId xmlns:p14="http://schemas.microsoft.com/office/powerpoint/2010/main" val="1942843676"/>
+      </p:ext>
+    </p:extLst>
+  </p:cSld>
+  <p:clrMapOvr>
+    <a:masterClrMapping/>
+  </p:clrMapOvr>
+</p:sld>
+</file>
+
+<file path=ppt/slides/slide34.xml><?xml version="1.0" encoding="utf-8"?>
+<p:sld xmlns:a="http://schemas.openxmlformats.org/drawingml/2006/main" xmlns:r="http://schemas.openxmlformats.org/officeDocument/2006/relationships" xmlns:p="http://schemas.openxmlformats.org/presentationml/2006/main">
+  <p:cSld>
+    <p:spTree>
+      <p:nvGrpSpPr>
+        <p:cNvPr id="1" name=""/>
+        <p:cNvGrpSpPr/>
+        <p:nvPr/>
+      </p:nvGrpSpPr>
+      <p:grpSpPr>
+        <a:xfrm>
+          <a:off x="0" y="0"/>
+          <a:ext cx="0" cy="0"/>
+          <a:chOff x="0" y="0"/>
+          <a:chExt cx="0" cy="0"/>
+        </a:xfrm>
+      </p:grpSpPr>
+      <p:sp>
+        <p:nvSpPr>
+          <p:cNvPr id="2" name="Заголовок 1">
+            <a:extLst>
+              <a:ext uri="{FF2B5EF4-FFF2-40B4-BE49-F238E27FC236}">
+                <a16:creationId xmlns:a16="http://schemas.microsoft.com/office/drawing/2014/main" id="{6E791D8C-DE9F-4D5B-AF42-D317C9A3B9CF}"/>
+              </a:ext>
+            </a:extLst>
+          </p:cNvPr>
+          <p:cNvSpPr>
+            <a:spLocks noGrp="1"/>
+          </p:cNvSpPr>
+          <p:nvPr>
+            <p:ph type="title"/>
+          </p:nvPr>
+        </p:nvSpPr>
+        <p:spPr/>
+        <p:txBody>
+          <a:bodyPr/>
+          <a:lstStyle/>
+          <a:p>
+            <a:r>
+              <a:rPr lang="ru-RU" dirty="0"/>
+              <a:t>Структура </a:t>
+            </a:r>
+            <a:r>
+              <a:rPr lang="en-US" dirty="0"/>
+              <a:t>Splay</a:t>
+            </a:r>
+            <a:r>
+              <a:rPr lang="ru-RU" dirty="0"/>
+              <a:t>-дерева</a:t>
+            </a:r>
+          </a:p>
+        </p:txBody>
+      </p:sp>
+      <p:sp>
+        <p:nvSpPr>
+          <p:cNvPr id="4" name="Дата 3">
+            <a:extLst>
+              <a:ext uri="{FF2B5EF4-FFF2-40B4-BE49-F238E27FC236}">
+                <a16:creationId xmlns:a16="http://schemas.microsoft.com/office/drawing/2014/main" id="{9CECB624-5038-474B-B005-E283BAF1C5AA}"/>
+              </a:ext>
+            </a:extLst>
+          </p:cNvPr>
+          <p:cNvSpPr>
+            <a:spLocks noGrp="1"/>
+          </p:cNvSpPr>
+          <p:nvPr>
+            <p:ph type="dt" sz="half" idx="10"/>
+          </p:nvPr>
+        </p:nvSpPr>
+        <p:spPr/>
+        <p:txBody>
+          <a:bodyPr/>
+          <a:lstStyle/>
+          <a:p>
+            <a:fld id="{819F9415-323C-45DC-855D-3E6D6A8D07B8}" type="datetime1">
+              <a:rPr lang="ru-RU" smtClean="0"/>
+              <a:t>09.01.2023</a:t>
+            </a:fld>
+            <a:endParaRPr lang="ru-RU"/>
+          </a:p>
+        </p:txBody>
+      </p:sp>
+      <p:sp>
+        <p:nvSpPr>
+          <p:cNvPr id="5" name="Нижний колонтитул 4">
+            <a:extLst>
+              <a:ext uri="{FF2B5EF4-FFF2-40B4-BE49-F238E27FC236}">
+                <a16:creationId xmlns:a16="http://schemas.microsoft.com/office/drawing/2014/main" id="{04262C60-8763-4642-B07C-3784651D48D4}"/>
+              </a:ext>
+            </a:extLst>
+          </p:cNvPr>
+          <p:cNvSpPr>
+            <a:spLocks noGrp="1"/>
+          </p:cNvSpPr>
+          <p:nvPr>
+            <p:ph type="ftr" sz="quarter" idx="11"/>
+          </p:nvPr>
+        </p:nvSpPr>
+        <p:spPr/>
+        <p:txBody>
+          <a:bodyPr/>
+          <a:lstStyle/>
+          <a:p>
+            <a:r>
+              <a:rPr lang="ru-RU"/>
+              <a:t>Курпас Артём Викторович ДВФУ Б9121-09.03.03ПИКД</a:t>
+            </a:r>
+          </a:p>
+        </p:txBody>
+      </p:sp>
+      <p:sp>
+        <p:nvSpPr>
+          <p:cNvPr id="6" name="Номер слайда 5">
+            <a:extLst>
+              <a:ext uri="{FF2B5EF4-FFF2-40B4-BE49-F238E27FC236}">
+                <a16:creationId xmlns:a16="http://schemas.microsoft.com/office/drawing/2014/main" id="{D4A206CA-8C81-406C-81F7-E4AF4F0CB5FE}"/>
+              </a:ext>
+            </a:extLst>
+          </p:cNvPr>
+          <p:cNvSpPr>
+            <a:spLocks noGrp="1"/>
+          </p:cNvSpPr>
+          <p:nvPr>
+            <p:ph type="sldNum" sz="quarter" idx="12"/>
+          </p:nvPr>
+        </p:nvSpPr>
+        <p:spPr/>
+        <p:txBody>
+          <a:bodyPr/>
+          <a:lstStyle/>
+          <a:p>
+            <a:fld id="{D9960756-DCC9-44ED-A5D4-481F9F79AFC9}" type="slidenum">
+              <a:rPr lang="ru-RU" smtClean="0"/>
+              <a:t>34</a:t>
+            </a:fld>
+            <a:endParaRPr lang="ru-RU"/>
+          </a:p>
+        </p:txBody>
+      </p:sp>
+      <p:pic>
+        <p:nvPicPr>
+          <p:cNvPr id="10" name="Рисунок 9">
+            <a:extLst>
+              <a:ext uri="{FF2B5EF4-FFF2-40B4-BE49-F238E27FC236}">
+                <a16:creationId xmlns:a16="http://schemas.microsoft.com/office/drawing/2014/main" id="{8CD4B189-9F4E-4537-AA05-0545CD0F072A}"/>
+              </a:ext>
+            </a:extLst>
+          </p:cNvPr>
+          <p:cNvPicPr>
+            <a:picLocks noChangeAspect="1"/>
+          </p:cNvPicPr>
+          <p:nvPr/>
+        </p:nvPicPr>
+        <p:blipFill>
+          <a:blip r:embed="rId2"/>
+          <a:stretch>
+            <a:fillRect/>
+          </a:stretch>
+        </p:blipFill>
+        <p:spPr>
+          <a:xfrm>
+            <a:off x="799070" y="2348427"/>
+            <a:ext cx="3299641" cy="2862809"/>
+          </a:xfrm>
+          <a:prstGeom prst="rect">
+            <a:avLst/>
+          </a:prstGeom>
+        </p:spPr>
+      </p:pic>
+      <p:pic>
+        <p:nvPicPr>
+          <p:cNvPr id="14" name="Рисунок 13">
+            <a:extLst>
+              <a:ext uri="{FF2B5EF4-FFF2-40B4-BE49-F238E27FC236}">
+                <a16:creationId xmlns:a16="http://schemas.microsoft.com/office/drawing/2014/main" id="{02D2119F-3A6A-4157-9372-9EC2BD2D2C80}"/>
+              </a:ext>
+            </a:extLst>
+          </p:cNvPr>
+          <p:cNvPicPr>
+            <a:picLocks noChangeAspect="1"/>
+          </p:cNvPicPr>
+          <p:nvPr/>
+        </p:nvPicPr>
+        <p:blipFill>
+          <a:blip r:embed="rId3"/>
+          <a:stretch>
+            <a:fillRect/>
+          </a:stretch>
+        </p:blipFill>
+        <p:spPr>
+          <a:xfrm>
+            <a:off x="7990703" y="2181979"/>
+            <a:ext cx="3363097" cy="3195703"/>
+          </a:xfrm>
+          <a:prstGeom prst="rect">
+            <a:avLst/>
+          </a:prstGeom>
+        </p:spPr>
+      </p:pic>
+      <p:cxnSp>
+        <p:nvCxnSpPr>
+          <p:cNvPr id="16" name="Прямая со стрелкой 15">
+            <a:extLst>
+              <a:ext uri="{FF2B5EF4-FFF2-40B4-BE49-F238E27FC236}">
+                <a16:creationId xmlns:a16="http://schemas.microsoft.com/office/drawing/2014/main" id="{01796E0F-55DA-49D8-BB8B-44A220C5CCE2}"/>
+              </a:ext>
+            </a:extLst>
+          </p:cNvPr>
+          <p:cNvCxnSpPr>
+            <a:stCxn id="10" idx="3"/>
+            <a:endCxn id="14" idx="1"/>
+          </p:cNvCxnSpPr>
+          <p:nvPr/>
+        </p:nvCxnSpPr>
+        <p:spPr>
+          <a:xfrm flipV="1">
+            <a:off x="4098711" y="3779831"/>
+            <a:ext cx="3891992" cy="1"/>
+          </a:xfrm>
+          <a:prstGeom prst="straightConnector1">
+            <a:avLst/>
+          </a:prstGeom>
+          <a:ln>
+            <a:solidFill>
+              <a:schemeClr val="tx1"/>
+            </a:solidFill>
+            <a:tailEnd type="triangle"/>
+          </a:ln>
+        </p:spPr>
+        <p:style>
+          <a:lnRef idx="1">
+            <a:schemeClr val="accent1"/>
+          </a:lnRef>
+          <a:fillRef idx="0">
+            <a:schemeClr val="accent1"/>
+          </a:fillRef>
+          <a:effectRef idx="0">
+            <a:schemeClr val="accent1"/>
+          </a:effectRef>
+          <a:fontRef idx="minor">
+            <a:schemeClr val="tx1"/>
+          </a:fontRef>
+        </p:style>
+      </p:cxnSp>
+      <p:sp>
+        <p:nvSpPr>
+          <p:cNvPr id="19" name="TextBox 18">
+            <a:extLst>
+              <a:ext uri="{FF2B5EF4-FFF2-40B4-BE49-F238E27FC236}">
+                <a16:creationId xmlns:a16="http://schemas.microsoft.com/office/drawing/2014/main" id="{FD2747A8-2B7E-4821-BB11-302EE572456A}"/>
+              </a:ext>
+            </a:extLst>
+          </p:cNvPr>
+          <p:cNvSpPr txBox="1"/>
+          <p:nvPr/>
+        </p:nvSpPr>
+        <p:spPr>
+          <a:xfrm>
+            <a:off x="3978490" y="4924946"/>
+            <a:ext cx="4114801" cy="923330"/>
+          </a:xfrm>
+          <a:prstGeom prst="rect">
+            <a:avLst/>
+          </a:prstGeom>
+          <a:noFill/>
+        </p:spPr>
+        <p:txBody>
+          <a:bodyPr wrap="square" rtlCol="0">
+            <a:spAutoFit/>
+          </a:bodyPr>
+          <a:lstStyle/>
+          <a:p>
+            <a:pPr algn="ctr"/>
+            <a:r>
+              <a:rPr lang="ru-RU" i="1" dirty="0"/>
+              <a:t>рис. Добавление всего одного элемента (100) может привести к сильной реструктуризации</a:t>
+            </a:r>
+          </a:p>
+        </p:txBody>
+      </p:sp>
+    </p:spTree>
+    <p:extLst>
+      <p:ext uri="{BB962C8B-B14F-4D97-AF65-F5344CB8AC3E}">
+        <p14:creationId xmlns:p14="http://schemas.microsoft.com/office/powerpoint/2010/main" val="1948258801"/>
+      </p:ext>
+    </p:extLst>
+  </p:cSld>
+  <p:clrMapOvr>
+    <a:masterClrMapping/>
+  </p:clrMapOvr>
+</p:sld>
+</file>
+
+<file path=ppt/slides/slide35.xml><?xml version="1.0" encoding="utf-8"?>
+<p:sld xmlns:a="http://schemas.openxmlformats.org/drawingml/2006/main" xmlns:r="http://schemas.openxmlformats.org/officeDocument/2006/relationships" xmlns:p="http://schemas.openxmlformats.org/presentationml/2006/main">
+  <p:cSld>
+    <p:spTree>
+      <p:nvGrpSpPr>
+        <p:cNvPr id="1" name=""/>
+        <p:cNvGrpSpPr/>
+        <p:nvPr/>
+      </p:nvGrpSpPr>
+      <p:grpSpPr>
+        <a:xfrm>
+          <a:off x="0" y="0"/>
+          <a:ext cx="0" cy="0"/>
+          <a:chOff x="0" y="0"/>
+          <a:chExt cx="0" cy="0"/>
+        </a:xfrm>
+      </p:grpSpPr>
+      <p:sp>
+        <p:nvSpPr>
+          <p:cNvPr id="2" name="Заголовок 1">
+            <a:extLst>
+              <a:ext uri="{FF2B5EF4-FFF2-40B4-BE49-F238E27FC236}">
+                <a16:creationId xmlns:a16="http://schemas.microsoft.com/office/drawing/2014/main" id="{B22CBAC3-D9DD-4CC2-AA17-36DF969CA58B}"/>
+              </a:ext>
+            </a:extLst>
+          </p:cNvPr>
+          <p:cNvSpPr>
+            <a:spLocks noGrp="1"/>
+          </p:cNvSpPr>
+          <p:nvPr>
+            <p:ph type="title"/>
+          </p:nvPr>
+        </p:nvSpPr>
+        <p:spPr/>
+        <p:txBody>
+          <a:bodyPr/>
+          <a:lstStyle/>
+          <a:p>
+            <a:r>
+              <a:rPr lang="ru-RU" dirty="0"/>
+              <a:t>Структура </a:t>
+            </a:r>
+            <a:r>
+              <a:rPr lang="en-US" dirty="0"/>
+              <a:t>AA</a:t>
+            </a:r>
+            <a:r>
+              <a:rPr lang="ru-RU" dirty="0"/>
+              <a:t>-дерева</a:t>
+            </a:r>
+          </a:p>
+        </p:txBody>
+      </p:sp>
+      <p:pic>
+        <p:nvPicPr>
+          <p:cNvPr id="8" name="Объект 7">
+            <a:extLst>
+              <a:ext uri="{FF2B5EF4-FFF2-40B4-BE49-F238E27FC236}">
+                <a16:creationId xmlns:a16="http://schemas.microsoft.com/office/drawing/2014/main" id="{4565CA40-475A-4FD8-AED1-D57160F850D0}"/>
+              </a:ext>
+            </a:extLst>
+          </p:cNvPr>
+          <p:cNvPicPr>
+            <a:picLocks noGrp="1" noChangeAspect="1"/>
+          </p:cNvPicPr>
+          <p:nvPr>
+            <p:ph idx="1"/>
+          </p:nvPr>
+        </p:nvPicPr>
+        <p:blipFill>
+          <a:blip r:embed="rId2"/>
+          <a:stretch>
+            <a:fillRect/>
+          </a:stretch>
+        </p:blipFill>
+        <p:spPr>
+          <a:xfrm>
+            <a:off x="838200" y="2559286"/>
+            <a:ext cx="2962275" cy="2505075"/>
+          </a:xfrm>
+        </p:spPr>
+      </p:pic>
+      <p:sp>
+        <p:nvSpPr>
+          <p:cNvPr id="4" name="Дата 3">
+            <a:extLst>
+              <a:ext uri="{FF2B5EF4-FFF2-40B4-BE49-F238E27FC236}">
+                <a16:creationId xmlns:a16="http://schemas.microsoft.com/office/drawing/2014/main" id="{223BC715-D0D3-450E-98E3-B85CD6BCED11}"/>
+              </a:ext>
+            </a:extLst>
+          </p:cNvPr>
+          <p:cNvSpPr>
+            <a:spLocks noGrp="1"/>
+          </p:cNvSpPr>
+          <p:nvPr>
+            <p:ph type="dt" sz="half" idx="10"/>
+          </p:nvPr>
+        </p:nvSpPr>
+        <p:spPr/>
+        <p:txBody>
+          <a:bodyPr/>
+          <a:lstStyle/>
+          <a:p>
+            <a:fld id="{819F9415-323C-45DC-855D-3E6D6A8D07B8}" type="datetime1">
+              <a:rPr lang="ru-RU" smtClean="0"/>
+              <a:t>09.01.2023</a:t>
+            </a:fld>
+            <a:endParaRPr lang="ru-RU"/>
+          </a:p>
+        </p:txBody>
+      </p:sp>
+      <p:sp>
+        <p:nvSpPr>
+          <p:cNvPr id="5" name="Нижний колонтитул 4">
+            <a:extLst>
+              <a:ext uri="{FF2B5EF4-FFF2-40B4-BE49-F238E27FC236}">
+                <a16:creationId xmlns:a16="http://schemas.microsoft.com/office/drawing/2014/main" id="{8B2A9BD5-4FFF-4F2E-8D3E-8BCECD9AFB12}"/>
+              </a:ext>
+            </a:extLst>
+          </p:cNvPr>
+          <p:cNvSpPr>
+            <a:spLocks noGrp="1"/>
+          </p:cNvSpPr>
+          <p:nvPr>
+            <p:ph type="ftr" sz="quarter" idx="11"/>
+          </p:nvPr>
+        </p:nvSpPr>
+        <p:spPr/>
+        <p:txBody>
+          <a:bodyPr/>
+          <a:lstStyle/>
+          <a:p>
+            <a:r>
+              <a:rPr lang="ru-RU"/>
+              <a:t>Курпас Артём Викторович ДВФУ Б9121-09.03.03ПИКД</a:t>
+            </a:r>
+          </a:p>
+        </p:txBody>
+      </p:sp>
+      <p:sp>
+        <p:nvSpPr>
+          <p:cNvPr id="6" name="Номер слайда 5">
+            <a:extLst>
+              <a:ext uri="{FF2B5EF4-FFF2-40B4-BE49-F238E27FC236}">
+                <a16:creationId xmlns:a16="http://schemas.microsoft.com/office/drawing/2014/main" id="{74894CD0-7F6E-49D2-928C-F9CB63B7710D}"/>
+              </a:ext>
+            </a:extLst>
+          </p:cNvPr>
+          <p:cNvSpPr>
+            <a:spLocks noGrp="1"/>
+          </p:cNvSpPr>
+          <p:nvPr>
+            <p:ph type="sldNum" sz="quarter" idx="12"/>
+          </p:nvPr>
+        </p:nvSpPr>
+        <p:spPr/>
+        <p:txBody>
+          <a:bodyPr/>
+          <a:lstStyle/>
+          <a:p>
+            <a:fld id="{D9960756-DCC9-44ED-A5D4-481F9F79AFC9}" type="slidenum">
+              <a:rPr lang="ru-RU" smtClean="0"/>
+              <a:t>35</a:t>
+            </a:fld>
+            <a:endParaRPr lang="ru-RU"/>
+          </a:p>
+        </p:txBody>
+      </p:sp>
+      <p:pic>
+        <p:nvPicPr>
+          <p:cNvPr id="10" name="Рисунок 9">
+            <a:extLst>
+              <a:ext uri="{FF2B5EF4-FFF2-40B4-BE49-F238E27FC236}">
+                <a16:creationId xmlns:a16="http://schemas.microsoft.com/office/drawing/2014/main" id="{308B09FB-8C9A-4C17-9460-D0EF1BC4B063}"/>
+              </a:ext>
+            </a:extLst>
+          </p:cNvPr>
+          <p:cNvPicPr>
+            <a:picLocks noChangeAspect="1"/>
+          </p:cNvPicPr>
+          <p:nvPr/>
+        </p:nvPicPr>
+        <p:blipFill>
+          <a:blip r:embed="rId3"/>
+          <a:stretch>
+            <a:fillRect/>
+          </a:stretch>
+        </p:blipFill>
+        <p:spPr>
+          <a:xfrm>
+            <a:off x="7972425" y="2340210"/>
+            <a:ext cx="3381375" cy="2943225"/>
+          </a:xfrm>
+          <a:prstGeom prst="rect">
+            <a:avLst/>
+          </a:prstGeom>
+        </p:spPr>
+      </p:pic>
+      <p:cxnSp>
+        <p:nvCxnSpPr>
+          <p:cNvPr id="12" name="Прямая со стрелкой 11">
+            <a:extLst>
+              <a:ext uri="{FF2B5EF4-FFF2-40B4-BE49-F238E27FC236}">
+                <a16:creationId xmlns:a16="http://schemas.microsoft.com/office/drawing/2014/main" id="{D37B0A8F-8106-4CFD-896F-E5FD33D0386B}"/>
+              </a:ext>
+            </a:extLst>
+          </p:cNvPr>
+          <p:cNvCxnSpPr>
+            <a:stCxn id="8" idx="3"/>
+            <a:endCxn id="10" idx="1"/>
+          </p:cNvCxnSpPr>
+          <p:nvPr/>
+        </p:nvCxnSpPr>
+        <p:spPr>
+          <a:xfrm flipV="1">
+            <a:off x="3800475" y="3811823"/>
+            <a:ext cx="4171950" cy="1"/>
+          </a:xfrm>
+          <a:prstGeom prst="straightConnector1">
+            <a:avLst/>
+          </a:prstGeom>
+          <a:ln>
+            <a:solidFill>
+              <a:schemeClr val="tx1"/>
+            </a:solidFill>
+            <a:tailEnd type="triangle"/>
+          </a:ln>
+        </p:spPr>
+        <p:style>
+          <a:lnRef idx="1">
+            <a:schemeClr val="accent1"/>
+          </a:lnRef>
+          <a:fillRef idx="0">
+            <a:schemeClr val="accent1"/>
+          </a:fillRef>
+          <a:effectRef idx="0">
+            <a:schemeClr val="accent1"/>
+          </a:effectRef>
+          <a:fontRef idx="minor">
+            <a:schemeClr val="tx1"/>
+          </a:fontRef>
+        </p:style>
+      </p:cxnSp>
+      <p:sp>
+        <p:nvSpPr>
+          <p:cNvPr id="13" name="TextBox 12">
+            <a:extLst>
+              <a:ext uri="{FF2B5EF4-FFF2-40B4-BE49-F238E27FC236}">
+                <a16:creationId xmlns:a16="http://schemas.microsoft.com/office/drawing/2014/main" id="{CD0E76D2-10A5-4B63-85CB-2EF6D1C72649}"/>
+              </a:ext>
+            </a:extLst>
+          </p:cNvPr>
+          <p:cNvSpPr txBox="1"/>
+          <p:nvPr/>
+        </p:nvSpPr>
+        <p:spPr>
+          <a:xfrm>
+            <a:off x="3857624" y="4423074"/>
+            <a:ext cx="4114801" cy="923330"/>
+          </a:xfrm>
+          <a:prstGeom prst="rect">
+            <a:avLst/>
+          </a:prstGeom>
+          <a:noFill/>
+        </p:spPr>
+        <p:txBody>
+          <a:bodyPr wrap="square" rtlCol="0">
+            <a:spAutoFit/>
+          </a:bodyPr>
+          <a:lstStyle/>
+          <a:p>
+            <a:pPr algn="ctr"/>
+            <a:r>
+              <a:rPr lang="ru-RU" i="1" dirty="0"/>
+              <a:t>рис. Добавление одного элемента (100) не привело к значительным изменениям в структуре</a:t>
+            </a:r>
+          </a:p>
+        </p:txBody>
+      </p:sp>
+    </p:spTree>
+    <p:extLst>
+      <p:ext uri="{BB962C8B-B14F-4D97-AF65-F5344CB8AC3E}">
+        <p14:creationId xmlns:p14="http://schemas.microsoft.com/office/powerpoint/2010/main" val="2449379654"/>
+      </p:ext>
+    </p:extLst>
+  </p:cSld>
+  <p:clrMapOvr>
+    <a:masterClrMapping/>
+  </p:clrMapOvr>
+</p:sld>
+</file>
+
+<file path=ppt/slides/slide36.xml><?xml version="1.0" encoding="utf-8"?>
+<p:sld xmlns:a="http://schemas.openxmlformats.org/drawingml/2006/main" xmlns:r="http://schemas.openxmlformats.org/officeDocument/2006/relationships" xmlns:p="http://schemas.openxmlformats.org/presentationml/2006/main">
+  <p:cSld>
+    <p:spTree>
+      <p:nvGrpSpPr>
+        <p:cNvPr id="1" name=""/>
+        <p:cNvGrpSpPr/>
+        <p:nvPr/>
+      </p:nvGrpSpPr>
+      <p:grpSpPr>
+        <a:xfrm>
+          <a:off x="0" y="0"/>
+          <a:ext cx="0" cy="0"/>
+          <a:chOff x="0" y="0"/>
+          <a:chExt cx="0" cy="0"/>
+        </a:xfrm>
+      </p:grpSpPr>
+      <p:sp>
+        <p:nvSpPr>
+          <p:cNvPr id="2" name="Заголовок 1">
+            <a:extLst>
+              <a:ext uri="{FF2B5EF4-FFF2-40B4-BE49-F238E27FC236}">
+                <a16:creationId xmlns:a16="http://schemas.microsoft.com/office/drawing/2014/main" id="{638D8784-21B4-44E2-90DA-C844EECC380C}"/>
+              </a:ext>
+            </a:extLst>
+          </p:cNvPr>
+          <p:cNvSpPr>
+            <a:spLocks noGrp="1"/>
+          </p:cNvSpPr>
+          <p:nvPr>
+            <p:ph type="title"/>
+          </p:nvPr>
+        </p:nvSpPr>
+        <p:spPr/>
+        <p:txBody>
+          <a:bodyPr/>
+          <a:lstStyle/>
+          <a:p>
+            <a:r>
+              <a:rPr lang="ru-RU" dirty="0"/>
+              <a:t>Тестирование времени доступа (тесты 16-20)</a:t>
+            </a:r>
+          </a:p>
+        </p:txBody>
+      </p:sp>
+      <p:pic>
+        <p:nvPicPr>
+          <p:cNvPr id="10" name="Объект 9">
+            <a:extLst>
+              <a:ext uri="{FF2B5EF4-FFF2-40B4-BE49-F238E27FC236}">
+                <a16:creationId xmlns:a16="http://schemas.microsoft.com/office/drawing/2014/main" id="{5B77A805-2348-4EFF-89DE-06E014ECEC52}"/>
+              </a:ext>
+            </a:extLst>
+          </p:cNvPr>
+          <p:cNvPicPr>
+            <a:picLocks noGrp="1" noChangeAspect="1"/>
+          </p:cNvPicPr>
+          <p:nvPr>
+            <p:ph idx="1"/>
+          </p:nvPr>
+        </p:nvPicPr>
+        <p:blipFill>
+          <a:blip r:embed="rId2">
+            <a:extLst>
+              <a:ext uri="{28A0092B-C50C-407E-A947-70E740481C1C}">
+                <a14:useLocalDpi xmlns:a14="http://schemas.microsoft.com/office/drawing/2010/main" val="0"/>
+              </a:ext>
+            </a:extLst>
+          </a:blip>
+          <a:stretch>
+            <a:fillRect/>
+          </a:stretch>
+        </p:blipFill>
+        <p:spPr>
+          <a:xfrm>
+            <a:off x="3195108" y="1825625"/>
+            <a:ext cx="5801784" cy="4351338"/>
+          </a:xfrm>
+        </p:spPr>
+      </p:pic>
+      <p:sp>
+        <p:nvSpPr>
+          <p:cNvPr id="4" name="Дата 3">
+            <a:extLst>
+              <a:ext uri="{FF2B5EF4-FFF2-40B4-BE49-F238E27FC236}">
+                <a16:creationId xmlns:a16="http://schemas.microsoft.com/office/drawing/2014/main" id="{336F6C9B-4E0B-4D8C-8317-79B5A32AAB10}"/>
+              </a:ext>
+            </a:extLst>
+          </p:cNvPr>
+          <p:cNvSpPr>
+            <a:spLocks noGrp="1"/>
+          </p:cNvSpPr>
+          <p:nvPr>
+            <p:ph type="dt" sz="half" idx="10"/>
+          </p:nvPr>
+        </p:nvSpPr>
+        <p:spPr/>
+        <p:txBody>
+          <a:bodyPr/>
+          <a:lstStyle/>
+          <a:p>
+            <a:fld id="{819F9415-323C-45DC-855D-3E6D6A8D07B8}" type="datetime1">
+              <a:rPr lang="ru-RU" smtClean="0"/>
+              <a:t>09.01.2023</a:t>
+            </a:fld>
+            <a:endParaRPr lang="ru-RU"/>
+          </a:p>
+        </p:txBody>
+      </p:sp>
+      <p:sp>
+        <p:nvSpPr>
+          <p:cNvPr id="5" name="Нижний колонтитул 4">
+            <a:extLst>
+              <a:ext uri="{FF2B5EF4-FFF2-40B4-BE49-F238E27FC236}">
+                <a16:creationId xmlns:a16="http://schemas.microsoft.com/office/drawing/2014/main" id="{D961354E-C520-44A1-82F9-28DD508637E6}"/>
+              </a:ext>
+            </a:extLst>
+          </p:cNvPr>
+          <p:cNvSpPr>
+            <a:spLocks noGrp="1"/>
+          </p:cNvSpPr>
+          <p:nvPr>
+            <p:ph type="ftr" sz="quarter" idx="11"/>
+          </p:nvPr>
+        </p:nvSpPr>
+        <p:spPr/>
+        <p:txBody>
+          <a:bodyPr/>
+          <a:lstStyle/>
+          <a:p>
+            <a:r>
+              <a:rPr lang="ru-RU"/>
+              <a:t>Курпас Артём Викторович ДВФУ Б9121-09.03.03ПИКД</a:t>
+            </a:r>
+          </a:p>
+        </p:txBody>
+      </p:sp>
+      <p:sp>
+        <p:nvSpPr>
+          <p:cNvPr id="6" name="Номер слайда 5">
+            <a:extLst>
+              <a:ext uri="{FF2B5EF4-FFF2-40B4-BE49-F238E27FC236}">
+                <a16:creationId xmlns:a16="http://schemas.microsoft.com/office/drawing/2014/main" id="{EE87A0C4-372C-4FD5-B25C-06EEEE55A1CA}"/>
+              </a:ext>
+            </a:extLst>
+          </p:cNvPr>
+          <p:cNvSpPr>
+            <a:spLocks noGrp="1"/>
+          </p:cNvSpPr>
+          <p:nvPr>
+            <p:ph type="sldNum" sz="quarter" idx="12"/>
+          </p:nvPr>
+        </p:nvSpPr>
+        <p:spPr/>
+        <p:txBody>
+          <a:bodyPr/>
+          <a:lstStyle/>
+          <a:p>
+            <a:fld id="{D9960756-DCC9-44ED-A5D4-481F9F79AFC9}" type="slidenum">
+              <a:rPr lang="ru-RU" smtClean="0"/>
+              <a:t>36</a:t>
+            </a:fld>
+            <a:endParaRPr lang="ru-RU"/>
+          </a:p>
+        </p:txBody>
+      </p:sp>
+    </p:spTree>
+    <p:extLst>
+      <p:ext uri="{BB962C8B-B14F-4D97-AF65-F5344CB8AC3E}">
+        <p14:creationId xmlns:p14="http://schemas.microsoft.com/office/powerpoint/2010/main" val="1396930735"/>
+      </p:ext>
+    </p:extLst>
+  </p:cSld>
+  <p:clrMapOvr>
+    <a:masterClrMapping/>
+  </p:clrMapOvr>
+</p:sld>
+</file>
+
+<file path=ppt/slides/slide37.xml><?xml version="1.0" encoding="utf-8"?>
+<p:sld xmlns:a="http://schemas.openxmlformats.org/drawingml/2006/main" xmlns:r="http://schemas.openxmlformats.org/officeDocument/2006/relationships" xmlns:p="http://schemas.openxmlformats.org/presentationml/2006/main">
+  <p:cSld>
+    <p:spTree>
+      <p:nvGrpSpPr>
+        <p:cNvPr id="1" name=""/>
+        <p:cNvGrpSpPr/>
+        <p:nvPr/>
+      </p:nvGrpSpPr>
+      <p:grpSpPr>
+        <a:xfrm>
+          <a:off x="0" y="0"/>
+          <a:ext cx="0" cy="0"/>
+          <a:chOff x="0" y="0"/>
+          <a:chExt cx="0" cy="0"/>
+        </a:xfrm>
+      </p:grpSpPr>
+      <p:sp>
+        <p:nvSpPr>
+          <p:cNvPr id="2" name="Заголовок 1">
+            <a:extLst>
+              <a:ext uri="{FF2B5EF4-FFF2-40B4-BE49-F238E27FC236}">
+                <a16:creationId xmlns:a16="http://schemas.microsoft.com/office/drawing/2014/main" id="{638D8784-21B4-44E2-90DA-C844EECC380C}"/>
+              </a:ext>
+            </a:extLst>
+          </p:cNvPr>
+          <p:cNvSpPr>
+            <a:spLocks noGrp="1"/>
+          </p:cNvSpPr>
+          <p:nvPr>
+            <p:ph type="title"/>
+          </p:nvPr>
+        </p:nvSpPr>
+        <p:spPr/>
+        <p:txBody>
+          <a:bodyPr/>
+          <a:lstStyle/>
+          <a:p>
+            <a:r>
+              <a:rPr lang="ru-RU" dirty="0"/>
+              <a:t>Тестирование времени доступа к недавним элементам (тесты 21-25)</a:t>
+            </a:r>
+          </a:p>
+        </p:txBody>
+      </p:sp>
+      <p:sp>
+        <p:nvSpPr>
+          <p:cNvPr id="4" name="Дата 3">
+            <a:extLst>
+              <a:ext uri="{FF2B5EF4-FFF2-40B4-BE49-F238E27FC236}">
+                <a16:creationId xmlns:a16="http://schemas.microsoft.com/office/drawing/2014/main" id="{336F6C9B-4E0B-4D8C-8317-79B5A32AAB10}"/>
+              </a:ext>
+            </a:extLst>
+          </p:cNvPr>
+          <p:cNvSpPr>
+            <a:spLocks noGrp="1"/>
+          </p:cNvSpPr>
+          <p:nvPr>
+            <p:ph type="dt" sz="half" idx="10"/>
+          </p:nvPr>
+        </p:nvSpPr>
+        <p:spPr/>
+        <p:txBody>
+          <a:bodyPr/>
+          <a:lstStyle/>
+          <a:p>
+            <a:fld id="{819F9415-323C-45DC-855D-3E6D6A8D07B8}" type="datetime1">
+              <a:rPr lang="ru-RU" smtClean="0"/>
+              <a:t>09.01.2023</a:t>
+            </a:fld>
+            <a:endParaRPr lang="ru-RU"/>
+          </a:p>
+        </p:txBody>
+      </p:sp>
+      <p:sp>
+        <p:nvSpPr>
+          <p:cNvPr id="5" name="Нижний колонтитул 4">
+            <a:extLst>
+              <a:ext uri="{FF2B5EF4-FFF2-40B4-BE49-F238E27FC236}">
+                <a16:creationId xmlns:a16="http://schemas.microsoft.com/office/drawing/2014/main" id="{D961354E-C520-44A1-82F9-28DD508637E6}"/>
+              </a:ext>
+            </a:extLst>
+          </p:cNvPr>
+          <p:cNvSpPr>
+            <a:spLocks noGrp="1"/>
+          </p:cNvSpPr>
+          <p:nvPr>
+            <p:ph type="ftr" sz="quarter" idx="11"/>
+          </p:nvPr>
+        </p:nvSpPr>
+        <p:spPr/>
+        <p:txBody>
+          <a:bodyPr/>
+          <a:lstStyle/>
+          <a:p>
+            <a:r>
+              <a:rPr lang="ru-RU"/>
+              <a:t>Курпас Артём Викторович ДВФУ Б9121-09.03.03ПИКД</a:t>
+            </a:r>
+          </a:p>
+        </p:txBody>
+      </p:sp>
+      <p:sp>
+        <p:nvSpPr>
+          <p:cNvPr id="6" name="Номер слайда 5">
+            <a:extLst>
+              <a:ext uri="{FF2B5EF4-FFF2-40B4-BE49-F238E27FC236}">
+                <a16:creationId xmlns:a16="http://schemas.microsoft.com/office/drawing/2014/main" id="{EE87A0C4-372C-4FD5-B25C-06EEEE55A1CA}"/>
+              </a:ext>
+            </a:extLst>
+          </p:cNvPr>
+          <p:cNvSpPr>
+            <a:spLocks noGrp="1"/>
+          </p:cNvSpPr>
+          <p:nvPr>
+            <p:ph type="sldNum" sz="quarter" idx="12"/>
+          </p:nvPr>
+        </p:nvSpPr>
+        <p:spPr/>
+        <p:txBody>
+          <a:bodyPr/>
+          <a:lstStyle/>
+          <a:p>
+            <a:fld id="{D9960756-DCC9-44ED-A5D4-481F9F79AFC9}" type="slidenum">
+              <a:rPr lang="ru-RU" smtClean="0"/>
+              <a:t>37</a:t>
+            </a:fld>
+            <a:endParaRPr lang="ru-RU"/>
+          </a:p>
+        </p:txBody>
+      </p:sp>
+      <p:pic>
+        <p:nvPicPr>
+          <p:cNvPr id="12" name="Объект 11">
+            <a:extLst>
+              <a:ext uri="{FF2B5EF4-FFF2-40B4-BE49-F238E27FC236}">
+                <a16:creationId xmlns:a16="http://schemas.microsoft.com/office/drawing/2014/main" id="{3E5FA69C-CCC6-4A08-A7B1-9E7B36B989CD}"/>
+              </a:ext>
+            </a:extLst>
+          </p:cNvPr>
+          <p:cNvPicPr>
+            <a:picLocks noGrp="1" noChangeAspect="1"/>
+          </p:cNvPicPr>
+          <p:nvPr>
+            <p:ph idx="1"/>
+          </p:nvPr>
+        </p:nvPicPr>
+        <p:blipFill>
+          <a:blip r:embed="rId2">
+            <a:extLst>
+              <a:ext uri="{28A0092B-C50C-407E-A947-70E740481C1C}">
+                <a14:useLocalDpi xmlns:a14="http://schemas.microsoft.com/office/drawing/2010/main" val="0"/>
+              </a:ext>
+            </a:extLst>
+          </a:blip>
+          <a:stretch>
+            <a:fillRect/>
+          </a:stretch>
+        </p:blipFill>
+        <p:spPr>
+          <a:xfrm>
+            <a:off x="3195108" y="1825625"/>
+            <a:ext cx="5801784" cy="4351338"/>
+          </a:xfrm>
+        </p:spPr>
+      </p:pic>
+    </p:spTree>
+    <p:extLst>
+      <p:ext uri="{BB962C8B-B14F-4D97-AF65-F5344CB8AC3E}">
+        <p14:creationId xmlns:p14="http://schemas.microsoft.com/office/powerpoint/2010/main" val="2981516236"/>
+      </p:ext>
+    </p:extLst>
+  </p:cSld>
+  <p:clrMapOvr>
+    <a:masterClrMapping/>
+  </p:clrMapOvr>
+</p:sld>
+</file>
+
+<file path=ppt/slides/slide38.xml><?xml version="1.0" encoding="utf-8"?>
+<p:sld xmlns:a="http://schemas.openxmlformats.org/drawingml/2006/main" xmlns:r="http://schemas.openxmlformats.org/officeDocument/2006/relationships" xmlns:p="http://schemas.openxmlformats.org/presentationml/2006/main">
+  <p:cSld>
+    <p:spTree>
+      <p:nvGrpSpPr>
+        <p:cNvPr id="1" name=""/>
+        <p:cNvGrpSpPr/>
+        <p:nvPr/>
+      </p:nvGrpSpPr>
+      <p:grpSpPr>
+        <a:xfrm>
+          <a:off x="0" y="0"/>
+          <a:ext cx="0" cy="0"/>
+          <a:chOff x="0" y="0"/>
+          <a:chExt cx="0" cy="0"/>
+        </a:xfrm>
+      </p:grpSpPr>
+      <p:sp>
+        <p:nvSpPr>
+          <p:cNvPr id="2" name="Заголовок 1">
+            <a:extLst>
+              <a:ext uri="{FF2B5EF4-FFF2-40B4-BE49-F238E27FC236}">
+                <a16:creationId xmlns:a16="http://schemas.microsoft.com/office/drawing/2014/main" id="{7477DB69-25B7-436A-9C4D-B95948161740}"/>
+              </a:ext>
+            </a:extLst>
+          </p:cNvPr>
+          <p:cNvSpPr>
+            <a:spLocks noGrp="1"/>
+          </p:cNvSpPr>
+          <p:nvPr>
+            <p:ph type="title"/>
+          </p:nvPr>
+        </p:nvSpPr>
+        <p:spPr>
+          <a:xfrm>
+            <a:off x="838200" y="2766218"/>
+            <a:ext cx="10515600" cy="1325563"/>
+          </a:xfrm>
+        </p:spPr>
+        <p:txBody>
+          <a:bodyPr/>
+          <a:lstStyle/>
+          <a:p>
+            <a:pPr algn="ctr"/>
+            <a:r>
+              <a:rPr lang="ru-RU" dirty="0"/>
+              <a:t>Спасибо за внимание!</a:t>
+            </a:r>
+          </a:p>
+        </p:txBody>
+      </p:sp>
+      <p:sp>
+        <p:nvSpPr>
+          <p:cNvPr id="4" name="Дата 3">
+            <a:extLst>
+              <a:ext uri="{FF2B5EF4-FFF2-40B4-BE49-F238E27FC236}">
+                <a16:creationId xmlns:a16="http://schemas.microsoft.com/office/drawing/2014/main" id="{F309131B-EC96-48A1-B57D-30813B60EA18}"/>
+              </a:ext>
+            </a:extLst>
+          </p:cNvPr>
+          <p:cNvSpPr>
+            <a:spLocks noGrp="1"/>
+          </p:cNvSpPr>
+          <p:nvPr>
+            <p:ph type="dt" sz="half" idx="10"/>
+          </p:nvPr>
+        </p:nvSpPr>
+        <p:spPr/>
+        <p:txBody>
+          <a:bodyPr/>
+          <a:lstStyle/>
+          <a:p>
+            <a:fld id="{819F9415-323C-45DC-855D-3E6D6A8D07B8}" type="datetime1">
+              <a:rPr lang="ru-RU" smtClean="0"/>
+              <a:t>09.01.2023</a:t>
+            </a:fld>
+            <a:endParaRPr lang="ru-RU"/>
+          </a:p>
+        </p:txBody>
+      </p:sp>
+      <p:sp>
+        <p:nvSpPr>
+          <p:cNvPr id="5" name="Нижний колонтитул 4">
+            <a:extLst>
+              <a:ext uri="{FF2B5EF4-FFF2-40B4-BE49-F238E27FC236}">
+                <a16:creationId xmlns:a16="http://schemas.microsoft.com/office/drawing/2014/main" id="{C2C7FF25-BBD1-437C-9A14-F5AB8A73EFF0}"/>
+              </a:ext>
+            </a:extLst>
+          </p:cNvPr>
+          <p:cNvSpPr>
+            <a:spLocks noGrp="1"/>
+          </p:cNvSpPr>
+          <p:nvPr>
+            <p:ph type="ftr" sz="quarter" idx="11"/>
+          </p:nvPr>
+        </p:nvSpPr>
+        <p:spPr/>
+        <p:txBody>
+          <a:bodyPr/>
+          <a:lstStyle/>
+          <a:p>
+            <a:r>
+              <a:rPr lang="ru-RU"/>
+              <a:t>Курпас Артём Викторович ДВФУ Б9121-09.03.03ПИКД</a:t>
+            </a:r>
+          </a:p>
+        </p:txBody>
+      </p:sp>
+      <p:sp>
+        <p:nvSpPr>
+          <p:cNvPr id="6" name="Номер слайда 5">
+            <a:extLst>
+              <a:ext uri="{FF2B5EF4-FFF2-40B4-BE49-F238E27FC236}">
+                <a16:creationId xmlns:a16="http://schemas.microsoft.com/office/drawing/2014/main" id="{22761C94-9680-4BC0-9779-F0CBC4B912A6}"/>
+              </a:ext>
+            </a:extLst>
+          </p:cNvPr>
+          <p:cNvSpPr>
+            <a:spLocks noGrp="1"/>
+          </p:cNvSpPr>
+          <p:nvPr>
+            <p:ph type="sldNum" sz="quarter" idx="12"/>
+          </p:nvPr>
+        </p:nvSpPr>
+        <p:spPr/>
+        <p:txBody>
+          <a:bodyPr/>
+          <a:lstStyle/>
+          <a:p>
+            <a:fld id="{D9960756-DCC9-44ED-A5D4-481F9F79AFC9}" type="slidenum">
+              <a:rPr lang="ru-RU" smtClean="0"/>
+              <a:t>38</a:t>
+            </a:fld>
+            <a:endParaRPr lang="ru-RU"/>
+          </a:p>
+        </p:txBody>
+      </p:sp>
+    </p:spTree>
+    <p:extLst>
+      <p:ext uri="{BB962C8B-B14F-4D97-AF65-F5344CB8AC3E}">
+        <p14:creationId xmlns:p14="http://schemas.microsoft.com/office/powerpoint/2010/main" val="1377526923"/>
+      </p:ext>
+    </p:extLst>
+  </p:cSld>
+  <p:clrMapOvr>
+    <a:masterClrMapping/>
+  </p:clrMapOvr>
+</p:sld>
+</file>
+
 <file path=ppt/slides/slide4.xml><?xml version="1.0" encoding="utf-8"?>
 <p:sld xmlns:a="http://schemas.openxmlformats.org/drawingml/2006/main" xmlns:r="http://schemas.openxmlformats.org/officeDocument/2006/relationships" xmlns:p="http://schemas.openxmlformats.org/presentationml/2006/main">
   <p:cSld>
@@ -12074,7 +14079,7 @@
           <a:p>
             <a:fld id="{819F9415-323C-45DC-855D-3E6D6A8D07B8}" type="datetime1">
               <a:rPr lang="ru-RU" smtClean="0"/>
-              <a:t>27.12.2022</a:t>
+              <a:t>09.01.2023</a:t>
             </a:fld>
             <a:endParaRPr lang="ru-RU"/>
           </a:p>
@@ -12196,11 +14201,11 @@
           <a:lstStyle/>
           <a:p>
             <a:r>
-              <a:rPr lang="en-US" dirty="0"/>
+              <a:rPr lang="en-US" i="1" dirty="0"/>
               <a:t>Splay-</a:t>
             </a:r>
             <a:r>
-              <a:rPr lang="ru-RU" dirty="0"/>
+              <a:rPr lang="ru-RU" i="1" dirty="0"/>
               <a:t>дерево</a:t>
             </a:r>
           </a:p>
@@ -12265,11 +14270,11 @@
           <a:lstStyle/>
           <a:p>
             <a:r>
-              <a:rPr lang="en-US" dirty="0"/>
+              <a:rPr lang="en-US" i="1" dirty="0"/>
               <a:t>AVL-</a:t>
             </a:r>
             <a:r>
-              <a:rPr lang="ru-RU" dirty="0"/>
+              <a:rPr lang="ru-RU" i="1" dirty="0"/>
               <a:t>дерево</a:t>
             </a:r>
           </a:p>
@@ -12395,7 +14400,7 @@
           <a:p>
             <a:fld id="{819F9415-323C-45DC-855D-3E6D6A8D07B8}" type="datetime1">
               <a:rPr lang="ru-RU" smtClean="0"/>
-              <a:t>27.12.2022</a:t>
+              <a:t>09.01.2023</a:t>
             </a:fld>
             <a:endParaRPr lang="ru-RU"/>
           </a:p>
@@ -12594,7 +14599,7 @@
           <a:p>
             <a:fld id="{819F9415-323C-45DC-855D-3E6D6A8D07B8}" type="datetime1">
               <a:rPr lang="ru-RU" smtClean="0"/>
-              <a:t>27.12.2022</a:t>
+              <a:t>09.01.2023</a:t>
             </a:fld>
             <a:endParaRPr lang="ru-RU"/>
           </a:p>
@@ -12728,8 +14733,8 @@
           </a:p>
         </p:txBody>
       </p:sp>
-      <mc:AlternateContent xmlns:mc="http://schemas.openxmlformats.org/markup-compatibility/2006">
-        <mc:Choice xmlns:a14="http://schemas.microsoft.com/office/drawing/2010/main" Requires="a14">
+      <mc:AlternateContent xmlns:mc="http://schemas.openxmlformats.org/markup-compatibility/2006" xmlns:a14="http://schemas.microsoft.com/office/drawing/2010/main">
+        <mc:Choice Requires="a14">
           <p:sp>
             <p:nvSpPr>
               <p:cNvPr id="3" name="Объект 2">
@@ -12918,7 +14923,7 @@
             </p:txBody>
           </p:sp>
         </mc:Choice>
-        <mc:Fallback>
+        <mc:Fallback xmlns="">
           <p:sp>
             <p:nvSpPr>
               <p:cNvPr id="3" name="Объект 2">
@@ -12985,7 +14990,7 @@
           <a:p>
             <a:fld id="{819F9415-323C-45DC-855D-3E6D6A8D07B8}" type="datetime1">
               <a:rPr lang="ru-RU" smtClean="0"/>
-              <a:t>27.12.2022</a:t>
+              <a:t>09.01.2023</a:t>
             </a:fld>
             <a:endParaRPr lang="ru-RU"/>
           </a:p>
@@ -13125,8 +15130,8 @@
           <a:chExt cx="0" cy="0"/>
         </a:xfrm>
       </p:grpSpPr>
-      <mc:AlternateContent xmlns:mc="http://schemas.openxmlformats.org/markup-compatibility/2006">
-        <mc:Choice xmlns:a14="http://schemas.microsoft.com/office/drawing/2010/main" Requires="a14">
+      <mc:AlternateContent xmlns:mc="http://schemas.openxmlformats.org/markup-compatibility/2006" xmlns:a14="http://schemas.microsoft.com/office/drawing/2010/main">
+        <mc:Choice Requires="a14">
           <p:sp>
             <p:nvSpPr>
               <p:cNvPr id="2" name="Заголовок 1">
@@ -13185,7 +15190,7 @@
             </p:txBody>
           </p:sp>
         </mc:Choice>
-        <mc:Fallback>
+        <mc:Fallback xmlns="">
           <p:sp>
             <p:nvSpPr>
               <p:cNvPr id="2" name="Заголовок 1">
@@ -13225,8 +15230,8 @@
           </p:sp>
         </mc:Fallback>
       </mc:AlternateContent>
-      <mc:AlternateContent xmlns:mc="http://schemas.openxmlformats.org/markup-compatibility/2006">
-        <mc:Choice xmlns:a14="http://schemas.microsoft.com/office/drawing/2010/main" Requires="a14">
+      <mc:AlternateContent xmlns:mc="http://schemas.openxmlformats.org/markup-compatibility/2006" xmlns:a14="http://schemas.microsoft.com/office/drawing/2010/main">
+        <mc:Choice Requires="a14">
           <p:sp>
             <p:nvSpPr>
               <p:cNvPr id="3" name="Объект 2">
@@ -13422,7 +15427,7 @@
             </p:txBody>
           </p:sp>
         </mc:Choice>
-        <mc:Fallback>
+        <mc:Fallback xmlns="">
           <p:sp>
             <p:nvSpPr>
               <p:cNvPr id="3" name="Объект 2">
@@ -13489,7 +15494,7 @@
           <a:p>
             <a:fld id="{819F9415-323C-45DC-855D-3E6D6A8D07B8}" type="datetime1">
               <a:rPr lang="ru-RU" smtClean="0"/>
-              <a:t>27.12.2022</a:t>
+              <a:t>09.01.2023</a:t>
             </a:fld>
             <a:endParaRPr lang="ru-RU"/>
           </a:p>
@@ -13629,8 +15634,8 @@
           <a:chExt cx="0" cy="0"/>
         </a:xfrm>
       </p:grpSpPr>
-      <mc:AlternateContent xmlns:mc="http://schemas.openxmlformats.org/markup-compatibility/2006">
-        <mc:Choice xmlns:a14="http://schemas.microsoft.com/office/drawing/2010/main" Requires="a14">
+      <mc:AlternateContent xmlns:mc="http://schemas.openxmlformats.org/markup-compatibility/2006" xmlns:a14="http://schemas.microsoft.com/office/drawing/2010/main">
+        <mc:Choice Requires="a14">
           <p:sp>
             <p:nvSpPr>
               <p:cNvPr id="2" name="Заголовок 1">
@@ -13691,7 +15696,7 @@
             </p:txBody>
           </p:sp>
         </mc:Choice>
-        <mc:Fallback>
+        <mc:Fallback xmlns="">
           <p:sp>
             <p:nvSpPr>
               <p:cNvPr id="2" name="Заголовок 1">
@@ -13731,8 +15736,8 @@
           </p:sp>
         </mc:Fallback>
       </mc:AlternateContent>
-      <mc:AlternateContent xmlns:mc="http://schemas.openxmlformats.org/markup-compatibility/2006">
-        <mc:Choice xmlns:a14="http://schemas.microsoft.com/office/drawing/2010/main" Requires="a14">
+      <mc:AlternateContent xmlns:mc="http://schemas.openxmlformats.org/markup-compatibility/2006" xmlns:a14="http://schemas.microsoft.com/office/drawing/2010/main">
+        <mc:Choice Requires="a14">
           <p:sp>
             <p:nvSpPr>
               <p:cNvPr id="3" name="Объект 2">
@@ -14007,7 +16012,7 @@
             </p:txBody>
           </p:sp>
         </mc:Choice>
-        <mc:Fallback>
+        <mc:Fallback xmlns="">
           <p:sp>
             <p:nvSpPr>
               <p:cNvPr id="3" name="Объект 2">
@@ -14074,7 +16079,7 @@
           <a:p>
             <a:fld id="{819F9415-323C-45DC-855D-3E6D6A8D07B8}" type="datetime1">
               <a:rPr lang="ru-RU" smtClean="0"/>
-              <a:t>27.12.2022</a:t>
+              <a:t>09.01.2023</a:t>
             </a:fld>
             <a:endParaRPr lang="ru-RU"/>
           </a:p>
@@ -14133,7 +16138,7 @@
               <a:rPr lang="ru-RU" smtClean="0"/>
               <a:t>9</a:t>
             </a:fld>
-            <a:endParaRPr lang="ru-RU"/>
+            <a:endParaRPr lang="ru-RU" dirty="0"/>
           </a:p>
         </p:txBody>
       </p:sp>
@@ -14215,8 +16220,8 @@
               <a:lstStyle/>
               <a:p>
                 <a:r>
-                  <a:rPr lang="ru-RU" dirty="0"/>
-                  <a:t>Рис. Применение </a:t>
+                  <a:rPr lang="ru-RU" i="1" dirty="0"/>
+                  <a:t>рис. Применение </a:t>
                 </a:r>
                 <a14:m>
                   <m:oMath xmlns:m="http://schemas.openxmlformats.org/officeDocument/2006/math">
@@ -14229,11 +16234,11 @@
                   </m:oMath>
                 </a14:m>
                 <a:r>
-                  <a:rPr lang="en-US" dirty="0"/>
+                  <a:rPr lang="en-US" i="1" dirty="0"/>
                   <a:t> </a:t>
                 </a:r>
                 <a:r>
-                  <a:rPr lang="ru-RU" dirty="0"/>
+                  <a:rPr lang="ru-RU" i="1" dirty="0"/>
                   <a:t>к узлу </a:t>
                 </a:r>
                 <a14:m>
